--- a/20231203_ISO 25010 の品質項目/213_JISX25000_図3.pptx
+++ b/20231203_ISO 25010 の品質項目/213_JISX25000_図3.pptx
@@ -3616,200 +3616,27 @@
       </p:grpSpPr>
       <p:sp>
         <p:nvSpPr>
-          <p:cNvPr id="69" name="テキスト ボックス 68">
-            <a:extLst>
-              <a:ext uri="{FF2B5EF4-FFF2-40B4-BE49-F238E27FC236}">
-                <a16:creationId xmlns:a16="http://schemas.microsoft.com/office/drawing/2014/main" id="{06EC2EFD-D74B-9F64-91BE-00EF9EB11C40}"/>
-              </a:ext>
-            </a:extLst>
-          </p:cNvPr>
-          <p:cNvSpPr txBox="1"/>
+          <p:cNvPr id="6" name="正方形/長方形 5">
+            <a:extLst>
+              <a:ext uri="{FF2B5EF4-FFF2-40B4-BE49-F238E27FC236}">
+                <a16:creationId xmlns:a16="http://schemas.microsoft.com/office/drawing/2014/main" id="{348D458E-3A88-410B-FCE7-73708C637453}"/>
+              </a:ext>
+            </a:extLst>
+          </p:cNvPr>
+          <p:cNvSpPr/>
           <p:nvPr/>
         </p:nvSpPr>
         <p:spPr>
           <a:xfrm>
-            <a:off x="298847" y="251599"/>
-            <a:ext cx="8209299" cy="1169551"/>
+            <a:off x="3550727" y="1820933"/>
+            <a:ext cx="1547748" cy="4320000"/>
           </a:xfrm>
           <a:prstGeom prst="rect">
             <a:avLst/>
           </a:prstGeom>
-          <a:noFill/>
-        </p:spPr>
-        <p:txBody>
-          <a:bodyPr wrap="none" rtlCol="0">
-            <a:spAutoFit/>
-          </a:bodyPr>
-          <a:lstStyle/>
-          <a:p>
-            <a:r>
-              <a:rPr kumimoji="1" lang="en-US" altLang="ja-JP" sz="1000">
-                <a:latin typeface="Meiryo UI" panose="020B0604030504040204" pitchFamily="50" charset="-128"/>
-                <a:ea typeface="Meiryo UI" panose="020B0604030504040204" pitchFamily="50" charset="-128"/>
-              </a:rPr>
-              <a:t>JIS X 250</a:t>
-            </a:r>
-            <a:r>
-              <a:rPr lang="en-US" altLang="ja-JP" sz="1000">
-                <a:latin typeface="Meiryo UI" panose="020B0604030504040204" pitchFamily="50" charset="-128"/>
-                <a:ea typeface="Meiryo UI" panose="020B0604030504040204" pitchFamily="50" charset="-128"/>
-              </a:rPr>
-              <a:t>0</a:t>
-            </a:r>
-            <a:r>
-              <a:rPr kumimoji="1" lang="en-US" altLang="ja-JP" sz="1000">
-                <a:latin typeface="Meiryo UI" panose="020B0604030504040204" pitchFamily="50" charset="-128"/>
-                <a:ea typeface="Meiryo UI" panose="020B0604030504040204" pitchFamily="50" charset="-128"/>
-              </a:rPr>
-              <a:t>0:2017</a:t>
-            </a:r>
-          </a:p>
-          <a:p>
-            <a:r>
-              <a:rPr kumimoji="1" lang="ja-JP" altLang="en-US" sz="1000">
-                <a:latin typeface="Meiryo UI" panose="020B0604030504040204" pitchFamily="50" charset="-128"/>
-                <a:ea typeface="Meiryo UI" panose="020B0604030504040204" pitchFamily="50" charset="-128"/>
-              </a:rPr>
-              <a:t>システム及びソフトウェア製品の品質要求及び評価（</a:t>
-            </a:r>
-            <a:r>
-              <a:rPr kumimoji="1" lang="en-US" altLang="ja-JP" sz="1000">
-                <a:latin typeface="Meiryo UI" panose="020B0604030504040204" pitchFamily="50" charset="-128"/>
-                <a:ea typeface="Meiryo UI" panose="020B0604030504040204" pitchFamily="50" charset="-128"/>
-              </a:rPr>
-              <a:t>SQuaRE</a:t>
-            </a:r>
-            <a:r>
-              <a:rPr kumimoji="1" lang="ja-JP" altLang="en-US" sz="1000">
-                <a:latin typeface="Meiryo UI" panose="020B0604030504040204" pitchFamily="50" charset="-128"/>
-                <a:ea typeface="Meiryo UI" panose="020B0604030504040204" pitchFamily="50" charset="-128"/>
-              </a:rPr>
-              <a:t>）－</a:t>
-            </a:r>
-            <a:r>
-              <a:rPr kumimoji="1" lang="en-US" altLang="ja-JP" sz="1000">
-                <a:latin typeface="Meiryo UI" panose="020B0604030504040204" pitchFamily="50" charset="-128"/>
-                <a:ea typeface="Meiryo UI" panose="020B0604030504040204" pitchFamily="50" charset="-128"/>
-              </a:rPr>
-              <a:t>SQuaRE</a:t>
-            </a:r>
-            <a:r>
-              <a:rPr kumimoji="1" lang="ja-JP" altLang="en-US" sz="1000">
-                <a:latin typeface="Meiryo UI" panose="020B0604030504040204" pitchFamily="50" charset="-128"/>
-                <a:ea typeface="Meiryo UI" panose="020B0604030504040204" pitchFamily="50" charset="-128"/>
-              </a:rPr>
-              <a:t>の指針</a:t>
-            </a:r>
-          </a:p>
-          <a:p>
-            <a:endParaRPr kumimoji="1" lang="ja-JP" altLang="en-US" sz="1000">
-              <a:latin typeface="Meiryo UI" panose="020B0604030504040204" pitchFamily="50" charset="-128"/>
-              <a:ea typeface="Meiryo UI" panose="020B0604030504040204" pitchFamily="50" charset="-128"/>
-            </a:endParaRPr>
-          </a:p>
-          <a:p>
-            <a:r>
-              <a:rPr kumimoji="1" lang="en-US" altLang="ja-JP" sz="1000">
-                <a:latin typeface="Meiryo UI" panose="020B0604030504040204" pitchFamily="50" charset="-128"/>
-                <a:ea typeface="Meiryo UI" panose="020B0604030504040204" pitchFamily="50" charset="-128"/>
-              </a:rPr>
-              <a:t>ISO/IEC 25000:2014</a:t>
-            </a:r>
-          </a:p>
-          <a:p>
-            <a:r>
-              <a:rPr kumimoji="1" lang="en-US" altLang="ja-JP" sz="1000">
-                <a:latin typeface="Meiryo UI" panose="020B0604030504040204" pitchFamily="50" charset="-128"/>
-                <a:ea typeface="Meiryo UI" panose="020B0604030504040204" pitchFamily="50" charset="-128"/>
-              </a:rPr>
-              <a:t>Systems and software engineering-Systems and software Quality Requirements and Evaluation (SQuaRE)-Guide to SQuaRE</a:t>
-            </a:r>
-          </a:p>
-          <a:p>
-            <a:endParaRPr kumimoji="1" lang="en-US" altLang="ja-JP" sz="1000">
-              <a:latin typeface="Meiryo UI" panose="020B0604030504040204" pitchFamily="50" charset="-128"/>
-              <a:ea typeface="Meiryo UI" panose="020B0604030504040204" pitchFamily="50" charset="-128"/>
-            </a:endParaRPr>
-          </a:p>
-          <a:p>
-            <a:r>
-              <a:rPr lang="ja-JP" altLang="en-US" sz="1000">
-                <a:latin typeface="Meiryo UI" panose="020B0604030504040204" pitchFamily="50" charset="-128"/>
-                <a:ea typeface="Meiryo UI" panose="020B0604030504040204" pitchFamily="50" charset="-128"/>
-              </a:rPr>
-              <a:t>図</a:t>
-            </a:r>
-            <a:r>
-              <a:rPr lang="en-US" altLang="ja-JP" sz="1000">
-                <a:latin typeface="Meiryo UI" panose="020B0604030504040204" pitchFamily="50" charset="-128"/>
-                <a:ea typeface="Meiryo UI" panose="020B0604030504040204" pitchFamily="50" charset="-128"/>
-              </a:rPr>
-              <a:t>3</a:t>
-            </a:r>
-            <a:r>
-              <a:rPr lang="ja-JP" altLang="en-US" sz="1000">
-                <a:latin typeface="Meiryo UI" panose="020B0604030504040204" pitchFamily="50" charset="-128"/>
-                <a:ea typeface="Meiryo UI" panose="020B0604030504040204" pitchFamily="50" charset="-128"/>
-              </a:rPr>
-              <a:t>－製品の品質ライフサイクルモデル</a:t>
-            </a:r>
-            <a:endParaRPr kumimoji="1" lang="ja-JP" altLang="en-US" sz="1000">
-              <a:latin typeface="Meiryo UI" panose="020B0604030504040204" pitchFamily="50" charset="-128"/>
-              <a:ea typeface="Meiryo UI" panose="020B0604030504040204" pitchFamily="50" charset="-128"/>
-            </a:endParaRPr>
-          </a:p>
-        </p:txBody>
-      </p:sp>
-      <p:pic>
-        <p:nvPicPr>
-          <p:cNvPr id="4" name="図 3">
-            <a:extLst>
-              <a:ext uri="{FF2B5EF4-FFF2-40B4-BE49-F238E27FC236}">
-                <a16:creationId xmlns:a16="http://schemas.microsoft.com/office/drawing/2014/main" id="{5B67137C-3AF6-4F53-467B-5B0007B83DAE}"/>
-              </a:ext>
-            </a:extLst>
-          </p:cNvPr>
-          <p:cNvPicPr>
-            <a:picLocks noChangeAspect="1"/>
-          </p:cNvPicPr>
-          <p:nvPr/>
-        </p:nvPicPr>
-        <p:blipFill>
-          <a:blip r:embed="rId2"/>
-          <a:stretch>
-            <a:fillRect/>
-          </a:stretch>
-        </p:blipFill>
-        <p:spPr>
-          <a:xfrm>
-            <a:off x="1930400" y="1718710"/>
-            <a:ext cx="7422164" cy="4322078"/>
-          </a:xfrm>
-          <a:prstGeom prst="rect">
-            <a:avLst/>
-          </a:prstGeom>
-        </p:spPr>
-      </p:pic>
-      <p:sp>
-        <p:nvSpPr>
-          <p:cNvPr id="2" name="正方形/長方形 1">
-            <a:extLst>
-              <a:ext uri="{FF2B5EF4-FFF2-40B4-BE49-F238E27FC236}">
-                <a16:creationId xmlns:a16="http://schemas.microsoft.com/office/drawing/2014/main" id="{535ABA9B-736F-0A6D-33DF-837A150526EE}"/>
-              </a:ext>
-            </a:extLst>
-          </p:cNvPr>
-          <p:cNvSpPr/>
-          <p:nvPr/>
-        </p:nvSpPr>
-        <p:spPr>
-          <a:xfrm>
-            <a:off x="7704438" y="667265"/>
-            <a:ext cx="914400" cy="914400"/>
-          </a:xfrm>
-          <a:prstGeom prst="rect">
-            <a:avLst/>
-          </a:prstGeom>
+          <a:solidFill>
+            <a:schemeClr val="bg1"/>
+          </a:solidFill>
         </p:spPr>
         <p:style>
           <a:lnRef idx="2">
@@ -3828,11 +3655,1767 @@
           </a:fontRef>
         </p:style>
         <p:txBody>
+          <a:bodyPr rtlCol="0" anchor="t"/>
+          <a:lstStyle/>
+          <a:p>
+            <a:pPr algn="ctr"/>
+            <a:r>
+              <a:rPr kumimoji="1" lang="ja-JP" altLang="en-US" sz="1100">
+                <a:solidFill>
+                  <a:schemeClr val="tx2"/>
+                </a:solidFill>
+                <a:latin typeface="Meiryo UI" panose="020B0604030504040204" pitchFamily="50" charset="-128"/>
+                <a:ea typeface="Meiryo UI" panose="020B0604030504040204" pitchFamily="50" charset="-128"/>
+              </a:rPr>
+              <a:t>要求事項</a:t>
+            </a:r>
+          </a:p>
+        </p:txBody>
+      </p:sp>
+      <p:sp>
+        <p:nvSpPr>
+          <p:cNvPr id="7" name="正方形/長方形 6">
+            <a:extLst>
+              <a:ext uri="{FF2B5EF4-FFF2-40B4-BE49-F238E27FC236}">
+                <a16:creationId xmlns:a16="http://schemas.microsoft.com/office/drawing/2014/main" id="{E66270F3-3389-8365-FAA3-E05B1EFEA20B}"/>
+              </a:ext>
+            </a:extLst>
+          </p:cNvPr>
+          <p:cNvSpPr/>
+          <p:nvPr/>
+        </p:nvSpPr>
+        <p:spPr>
+          <a:xfrm>
+            <a:off x="6394711" y="1820933"/>
+            <a:ext cx="1807184" cy="4320000"/>
+          </a:xfrm>
+          <a:prstGeom prst="rect">
+            <a:avLst/>
+          </a:prstGeom>
+          <a:solidFill>
+            <a:schemeClr val="bg1"/>
+          </a:solidFill>
+        </p:spPr>
+        <p:style>
+          <a:lnRef idx="2">
+            <a:schemeClr val="accent1">
+              <a:shade val="15000"/>
+            </a:schemeClr>
+          </a:lnRef>
+          <a:fillRef idx="1">
+            <a:schemeClr val="accent1"/>
+          </a:fillRef>
+          <a:effectRef idx="0">
+            <a:schemeClr val="accent1"/>
+          </a:effectRef>
+          <a:fontRef idx="minor">
+            <a:schemeClr val="lt1"/>
+          </a:fontRef>
+        </p:style>
+        <p:txBody>
+          <a:bodyPr rtlCol="0" anchor="t"/>
+          <a:lstStyle/>
+          <a:p>
+            <a:pPr algn="ctr"/>
+            <a:r>
+              <a:rPr kumimoji="1" lang="ja-JP" altLang="en-US" sz="1100">
+                <a:solidFill>
+                  <a:schemeClr val="tx2"/>
+                </a:solidFill>
+                <a:latin typeface="Meiryo UI" panose="020B0604030504040204" pitchFamily="50" charset="-128"/>
+                <a:ea typeface="Meiryo UI" panose="020B0604030504040204" pitchFamily="50" charset="-128"/>
+              </a:rPr>
+              <a:t>製品</a:t>
+            </a:r>
+          </a:p>
+        </p:txBody>
+      </p:sp>
+      <p:sp>
+        <p:nvSpPr>
+          <p:cNvPr id="34" name="正方形/長方形 33">
+            <a:extLst>
+              <a:ext uri="{FF2B5EF4-FFF2-40B4-BE49-F238E27FC236}">
+                <a16:creationId xmlns:a16="http://schemas.microsoft.com/office/drawing/2014/main" id="{9CB2E101-107A-3B6A-3DE8-C8592EF24F73}"/>
+              </a:ext>
+            </a:extLst>
+          </p:cNvPr>
+          <p:cNvSpPr/>
+          <p:nvPr/>
+        </p:nvSpPr>
+        <p:spPr>
+          <a:xfrm>
+            <a:off x="2055761" y="2618682"/>
+            <a:ext cx="6293911" cy="643002"/>
+          </a:xfrm>
+          <a:prstGeom prst="rect">
+            <a:avLst/>
+          </a:prstGeom>
+          <a:noFill/>
+          <a:ln>
+            <a:prstDash val="dash"/>
+          </a:ln>
+        </p:spPr>
+        <p:style>
+          <a:lnRef idx="2">
+            <a:schemeClr val="accent1">
+              <a:shade val="15000"/>
+            </a:schemeClr>
+          </a:lnRef>
+          <a:fillRef idx="1">
+            <a:schemeClr val="accent1"/>
+          </a:fillRef>
+          <a:effectRef idx="0">
+            <a:schemeClr val="accent1"/>
+          </a:effectRef>
+          <a:fontRef idx="minor">
+            <a:schemeClr val="lt1"/>
+          </a:fontRef>
+        </p:style>
+        <p:txBody>
           <a:bodyPr rtlCol="0" anchor="ctr"/>
           <a:lstStyle/>
           <a:p>
+            <a:r>
+              <a:rPr lang="ja-JP" altLang="en-US" sz="1100">
+                <a:solidFill>
+                  <a:schemeClr val="tx2"/>
+                </a:solidFill>
+                <a:latin typeface="Meiryo UI" panose="020B0604030504040204" pitchFamily="50" charset="-128"/>
+                <a:ea typeface="Meiryo UI" panose="020B0604030504040204" pitchFamily="50" charset="-128"/>
+              </a:rPr>
+              <a:t>≪</a:t>
+            </a:r>
+            <a:r>
+              <a:rPr kumimoji="1" lang="ja-JP" altLang="en-US" sz="1100">
+                <a:solidFill>
+                  <a:schemeClr val="tx2"/>
+                </a:solidFill>
+                <a:latin typeface="Meiryo UI" panose="020B0604030504040204" pitchFamily="50" charset="-128"/>
+                <a:ea typeface="Meiryo UI" panose="020B0604030504040204" pitchFamily="50" charset="-128"/>
+              </a:rPr>
+              <a:t>利用者視点</a:t>
+            </a:r>
+            <a:r>
+              <a:rPr lang="ja-JP" altLang="en-US" sz="1100">
+                <a:solidFill>
+                  <a:schemeClr val="tx2"/>
+                </a:solidFill>
+                <a:latin typeface="Meiryo UI" panose="020B0604030504040204" pitchFamily="50" charset="-128"/>
+                <a:ea typeface="Meiryo UI" panose="020B0604030504040204" pitchFamily="50" charset="-128"/>
+              </a:rPr>
+              <a:t>≫</a:t>
+            </a:r>
+            <a:endParaRPr kumimoji="1" lang="en-US" altLang="ja-JP" sz="1100">
+              <a:solidFill>
+                <a:schemeClr val="tx2"/>
+              </a:solidFill>
+              <a:latin typeface="Meiryo UI" panose="020B0604030504040204" pitchFamily="50" charset="-128"/>
+              <a:ea typeface="Meiryo UI" panose="020B0604030504040204" pitchFamily="50" charset="-128"/>
+            </a:endParaRPr>
+          </a:p>
+          <a:p>
+            <a:r>
+              <a:rPr lang="ja-JP" altLang="en-US" sz="1100">
+                <a:solidFill>
+                  <a:schemeClr val="tx2"/>
+                </a:solidFill>
+                <a:latin typeface="Meiryo UI" panose="020B0604030504040204" pitchFamily="50" charset="-128"/>
+                <a:ea typeface="Meiryo UI" panose="020B0604030504040204" pitchFamily="50" charset="-128"/>
+              </a:rPr>
+              <a:t>　　</a:t>
+            </a:r>
+            <a:r>
+              <a:rPr kumimoji="1" lang="ja-JP" altLang="en-US" sz="1100">
+                <a:solidFill>
+                  <a:schemeClr val="tx2"/>
+                </a:solidFill>
+                <a:latin typeface="Meiryo UI" panose="020B0604030504040204" pitchFamily="50" charset="-128"/>
+                <a:ea typeface="Meiryo UI" panose="020B0604030504040204" pitchFamily="50" charset="-128"/>
+              </a:rPr>
+              <a:t>利用時の</a:t>
+            </a:r>
+            <a:endParaRPr kumimoji="1" lang="en-US" altLang="ja-JP" sz="1100">
+              <a:solidFill>
+                <a:schemeClr val="tx2"/>
+              </a:solidFill>
+              <a:latin typeface="Meiryo UI" panose="020B0604030504040204" pitchFamily="50" charset="-128"/>
+              <a:ea typeface="Meiryo UI" panose="020B0604030504040204" pitchFamily="50" charset="-128"/>
+            </a:endParaRPr>
+          </a:p>
+          <a:p>
+            <a:r>
+              <a:rPr kumimoji="1" lang="ja-JP" altLang="en-US" sz="1100">
+                <a:solidFill>
+                  <a:schemeClr val="tx2"/>
+                </a:solidFill>
+                <a:latin typeface="Meiryo UI" panose="020B0604030504040204" pitchFamily="50" charset="-128"/>
+                <a:ea typeface="Meiryo UI" panose="020B0604030504040204" pitchFamily="50" charset="-128"/>
+              </a:rPr>
+              <a:t>　　品質モデル</a:t>
+            </a:r>
+          </a:p>
+        </p:txBody>
+      </p:sp>
+      <p:sp>
+        <p:nvSpPr>
+          <p:cNvPr id="35" name="正方形/長方形 34">
+            <a:extLst>
+              <a:ext uri="{FF2B5EF4-FFF2-40B4-BE49-F238E27FC236}">
+                <a16:creationId xmlns:a16="http://schemas.microsoft.com/office/drawing/2014/main" id="{4B4A26BB-51DD-0EFA-5C75-1EFBE5929EF3}"/>
+              </a:ext>
+            </a:extLst>
+          </p:cNvPr>
+          <p:cNvSpPr/>
+          <p:nvPr/>
+        </p:nvSpPr>
+        <p:spPr>
+          <a:xfrm>
+            <a:off x="2041235" y="3749771"/>
+            <a:ext cx="6293911" cy="1735283"/>
+          </a:xfrm>
+          <a:prstGeom prst="rect">
+            <a:avLst/>
+          </a:prstGeom>
+          <a:noFill/>
+          <a:ln>
+            <a:prstDash val="dash"/>
+          </a:ln>
+        </p:spPr>
+        <p:style>
+          <a:lnRef idx="2">
+            <a:schemeClr val="accent1">
+              <a:shade val="15000"/>
+            </a:schemeClr>
+          </a:lnRef>
+          <a:fillRef idx="1">
+            <a:schemeClr val="accent1"/>
+          </a:fillRef>
+          <a:effectRef idx="0">
+            <a:schemeClr val="accent1"/>
+          </a:effectRef>
+          <a:fontRef idx="minor">
+            <a:schemeClr val="lt1"/>
+          </a:fontRef>
+        </p:style>
+        <p:txBody>
+          <a:bodyPr rtlCol="0" anchor="ctr"/>
+          <a:lstStyle/>
+          <a:p>
+            <a:r>
+              <a:rPr kumimoji="1" lang="ja-JP" altLang="en-US" sz="1100">
+                <a:solidFill>
+                  <a:schemeClr val="tx2"/>
+                </a:solidFill>
+                <a:latin typeface="Meiryo UI" panose="020B0604030504040204" pitchFamily="50" charset="-128"/>
+                <a:ea typeface="Meiryo UI" panose="020B0604030504040204" pitchFamily="50" charset="-128"/>
+              </a:rPr>
+              <a:t>≪開発者視点≫</a:t>
+            </a:r>
+            <a:endParaRPr kumimoji="1" lang="en-US" altLang="ja-JP" sz="1100">
+              <a:solidFill>
+                <a:schemeClr val="tx2"/>
+              </a:solidFill>
+              <a:latin typeface="Meiryo UI" panose="020B0604030504040204" pitchFamily="50" charset="-128"/>
+              <a:ea typeface="Meiryo UI" panose="020B0604030504040204" pitchFamily="50" charset="-128"/>
+            </a:endParaRPr>
+          </a:p>
+          <a:p>
+            <a:r>
+              <a:rPr kumimoji="1" lang="ja-JP" altLang="en-US" sz="1100">
+                <a:solidFill>
+                  <a:schemeClr val="tx2"/>
+                </a:solidFill>
+                <a:latin typeface="Meiryo UI" panose="020B0604030504040204" pitchFamily="50" charset="-128"/>
+                <a:ea typeface="Meiryo UI" panose="020B0604030504040204" pitchFamily="50" charset="-128"/>
+              </a:rPr>
+              <a:t>製品の品質モデル</a:t>
+            </a:r>
+          </a:p>
+        </p:txBody>
+      </p:sp>
+      <p:sp>
+        <p:nvSpPr>
+          <p:cNvPr id="69" name="テキスト ボックス 68">
+            <a:extLst>
+              <a:ext uri="{FF2B5EF4-FFF2-40B4-BE49-F238E27FC236}">
+                <a16:creationId xmlns:a16="http://schemas.microsoft.com/office/drawing/2014/main" id="{06EC2EFD-D74B-9F64-91BE-00EF9EB11C40}"/>
+              </a:ext>
+            </a:extLst>
+          </p:cNvPr>
+          <p:cNvSpPr txBox="1"/>
+          <p:nvPr/>
+        </p:nvSpPr>
+        <p:spPr>
+          <a:xfrm>
+            <a:off x="297394" y="223220"/>
+            <a:ext cx="8209299" cy="1169551"/>
+          </a:xfrm>
+          <a:prstGeom prst="rect">
+            <a:avLst/>
+          </a:prstGeom>
+          <a:noFill/>
+        </p:spPr>
+        <p:txBody>
+          <a:bodyPr wrap="none" rtlCol="0">
+            <a:spAutoFit/>
+          </a:bodyPr>
+          <a:lstStyle/>
+          <a:p>
+            <a:r>
+              <a:rPr kumimoji="1" lang="en-US" altLang="ja-JP" sz="1000">
+                <a:latin typeface="Meiryo UI" panose="020B0604030504040204" pitchFamily="50" charset="-128"/>
+                <a:ea typeface="Meiryo UI" panose="020B0604030504040204" pitchFamily="50" charset="-128"/>
+              </a:rPr>
+              <a:t>JIS X 250</a:t>
+            </a:r>
+            <a:r>
+              <a:rPr lang="en-US" altLang="ja-JP" sz="1000">
+                <a:latin typeface="Meiryo UI" panose="020B0604030504040204" pitchFamily="50" charset="-128"/>
+                <a:ea typeface="Meiryo UI" panose="020B0604030504040204" pitchFamily="50" charset="-128"/>
+              </a:rPr>
+              <a:t>0</a:t>
+            </a:r>
+            <a:r>
+              <a:rPr kumimoji="1" lang="en-US" altLang="ja-JP" sz="1000">
+                <a:latin typeface="Meiryo UI" panose="020B0604030504040204" pitchFamily="50" charset="-128"/>
+                <a:ea typeface="Meiryo UI" panose="020B0604030504040204" pitchFamily="50" charset="-128"/>
+              </a:rPr>
+              <a:t>0:2017</a:t>
+            </a:r>
+          </a:p>
+          <a:p>
+            <a:r>
+              <a:rPr kumimoji="1" lang="ja-JP" altLang="en-US" sz="1000">
+                <a:latin typeface="Meiryo UI" panose="020B0604030504040204" pitchFamily="50" charset="-128"/>
+                <a:ea typeface="Meiryo UI" panose="020B0604030504040204" pitchFamily="50" charset="-128"/>
+              </a:rPr>
+              <a:t>システム及びソフトウェア製品の品質要求及び評価（</a:t>
+            </a:r>
+            <a:r>
+              <a:rPr kumimoji="1" lang="en-US" altLang="ja-JP" sz="1000">
+                <a:latin typeface="Meiryo UI" panose="020B0604030504040204" pitchFamily="50" charset="-128"/>
+                <a:ea typeface="Meiryo UI" panose="020B0604030504040204" pitchFamily="50" charset="-128"/>
+              </a:rPr>
+              <a:t>SQuaRE</a:t>
+            </a:r>
+            <a:r>
+              <a:rPr kumimoji="1" lang="ja-JP" altLang="en-US" sz="1000">
+                <a:latin typeface="Meiryo UI" panose="020B0604030504040204" pitchFamily="50" charset="-128"/>
+                <a:ea typeface="Meiryo UI" panose="020B0604030504040204" pitchFamily="50" charset="-128"/>
+              </a:rPr>
+              <a:t>）－</a:t>
+            </a:r>
+            <a:r>
+              <a:rPr kumimoji="1" lang="en-US" altLang="ja-JP" sz="1000">
+                <a:latin typeface="Meiryo UI" panose="020B0604030504040204" pitchFamily="50" charset="-128"/>
+                <a:ea typeface="Meiryo UI" panose="020B0604030504040204" pitchFamily="50" charset="-128"/>
+              </a:rPr>
+              <a:t>SQuaRE</a:t>
+            </a:r>
+            <a:r>
+              <a:rPr kumimoji="1" lang="ja-JP" altLang="en-US" sz="1000">
+                <a:latin typeface="Meiryo UI" panose="020B0604030504040204" pitchFamily="50" charset="-128"/>
+                <a:ea typeface="Meiryo UI" panose="020B0604030504040204" pitchFamily="50" charset="-128"/>
+              </a:rPr>
+              <a:t>の指針</a:t>
+            </a:r>
+          </a:p>
+          <a:p>
+            <a:endParaRPr kumimoji="1" lang="ja-JP" altLang="en-US" sz="1000">
+              <a:latin typeface="Meiryo UI" panose="020B0604030504040204" pitchFamily="50" charset="-128"/>
+              <a:ea typeface="Meiryo UI" panose="020B0604030504040204" pitchFamily="50" charset="-128"/>
+            </a:endParaRPr>
+          </a:p>
+          <a:p>
+            <a:r>
+              <a:rPr kumimoji="1" lang="en-US" altLang="ja-JP" sz="1000">
+                <a:latin typeface="Meiryo UI" panose="020B0604030504040204" pitchFamily="50" charset="-128"/>
+                <a:ea typeface="Meiryo UI" panose="020B0604030504040204" pitchFamily="50" charset="-128"/>
+              </a:rPr>
+              <a:t>ISO/IEC 25000:2014</a:t>
+            </a:r>
+          </a:p>
+          <a:p>
+            <a:r>
+              <a:rPr kumimoji="1" lang="en-US" altLang="ja-JP" sz="1000">
+                <a:latin typeface="Meiryo UI" panose="020B0604030504040204" pitchFamily="50" charset="-128"/>
+                <a:ea typeface="Meiryo UI" panose="020B0604030504040204" pitchFamily="50" charset="-128"/>
+              </a:rPr>
+              <a:t>Systems and software engineering-Systems and software Quality Requirements and Evaluation (SQuaRE)-Guide to SQuaRE</a:t>
+            </a:r>
+          </a:p>
+          <a:p>
+            <a:endParaRPr kumimoji="1" lang="en-US" altLang="ja-JP" sz="1000">
+              <a:latin typeface="Meiryo UI" panose="020B0604030504040204" pitchFamily="50" charset="-128"/>
+              <a:ea typeface="Meiryo UI" panose="020B0604030504040204" pitchFamily="50" charset="-128"/>
+            </a:endParaRPr>
+          </a:p>
+          <a:p>
+            <a:r>
+              <a:rPr lang="ja-JP" altLang="en-US" sz="1000">
+                <a:latin typeface="Meiryo UI" panose="020B0604030504040204" pitchFamily="50" charset="-128"/>
+                <a:ea typeface="Meiryo UI" panose="020B0604030504040204" pitchFamily="50" charset="-128"/>
+              </a:rPr>
+              <a:t>図</a:t>
+            </a:r>
+            <a:r>
+              <a:rPr lang="en-US" altLang="ja-JP" sz="1000">
+                <a:latin typeface="Meiryo UI" panose="020B0604030504040204" pitchFamily="50" charset="-128"/>
+                <a:ea typeface="Meiryo UI" panose="020B0604030504040204" pitchFamily="50" charset="-128"/>
+              </a:rPr>
+              <a:t>3</a:t>
+            </a:r>
+            <a:r>
+              <a:rPr lang="ja-JP" altLang="en-US" sz="1000">
+                <a:latin typeface="Meiryo UI" panose="020B0604030504040204" pitchFamily="50" charset="-128"/>
+                <a:ea typeface="Meiryo UI" panose="020B0604030504040204" pitchFamily="50" charset="-128"/>
+              </a:rPr>
+              <a:t>－製品の品質ライフサイクルモデル</a:t>
+            </a:r>
+            <a:endParaRPr kumimoji="1" lang="ja-JP" altLang="en-US" sz="1000">
+              <a:latin typeface="Meiryo UI" panose="020B0604030504040204" pitchFamily="50" charset="-128"/>
+              <a:ea typeface="Meiryo UI" panose="020B0604030504040204" pitchFamily="50" charset="-128"/>
+            </a:endParaRPr>
+          </a:p>
+        </p:txBody>
+      </p:sp>
+      <p:pic>
+        <p:nvPicPr>
+          <p:cNvPr id="4" name="図 3">
+            <a:extLst>
+              <a:ext uri="{FF2B5EF4-FFF2-40B4-BE49-F238E27FC236}">
+                <a16:creationId xmlns:a16="http://schemas.microsoft.com/office/drawing/2014/main" id="{5B67137C-3AF6-4F53-467B-5B0007B83DAE}"/>
+              </a:ext>
+            </a:extLst>
+          </p:cNvPr>
+          <p:cNvPicPr>
+            <a:picLocks noChangeAspect="1"/>
+          </p:cNvPicPr>
+          <p:nvPr/>
+        </p:nvPicPr>
+        <p:blipFill>
+          <a:blip r:embed="rId2"/>
+          <a:stretch>
+            <a:fillRect/>
+          </a:stretch>
+        </p:blipFill>
+        <p:spPr>
+          <a:xfrm>
+            <a:off x="8681309" y="2535922"/>
+            <a:ext cx="7422164" cy="4322078"/>
+          </a:xfrm>
+          <a:prstGeom prst="rect">
+            <a:avLst/>
+          </a:prstGeom>
+        </p:spPr>
+      </p:pic>
+      <p:pic>
+        <p:nvPicPr>
+          <p:cNvPr id="5" name="図 4">
+            <a:extLst>
+              <a:ext uri="{FF2B5EF4-FFF2-40B4-BE49-F238E27FC236}">
+                <a16:creationId xmlns:a16="http://schemas.microsoft.com/office/drawing/2014/main" id="{D72D2EA8-438A-8019-6535-D19F49080598}"/>
+              </a:ext>
+            </a:extLst>
+          </p:cNvPr>
+          <p:cNvPicPr>
+            <a:picLocks noChangeAspect="1"/>
+          </p:cNvPicPr>
+          <p:nvPr/>
+        </p:nvPicPr>
+        <p:blipFill>
+          <a:blip r:embed="rId3"/>
+          <a:stretch>
+            <a:fillRect/>
+          </a:stretch>
+        </p:blipFill>
+        <p:spPr>
+          <a:xfrm>
+            <a:off x="9255981" y="-987581"/>
+            <a:ext cx="4563112" cy="3943900"/>
+          </a:xfrm>
+          <a:prstGeom prst="rect">
+            <a:avLst/>
+          </a:prstGeom>
+        </p:spPr>
+      </p:pic>
+      <p:sp>
+        <p:nvSpPr>
+          <p:cNvPr id="8" name="正方形/長方形 7">
+            <a:extLst>
+              <a:ext uri="{FF2B5EF4-FFF2-40B4-BE49-F238E27FC236}">
+                <a16:creationId xmlns:a16="http://schemas.microsoft.com/office/drawing/2014/main" id="{35336672-DF93-9260-3357-882CF61433B5}"/>
+              </a:ext>
+            </a:extLst>
+          </p:cNvPr>
+          <p:cNvSpPr/>
+          <p:nvPr/>
+        </p:nvSpPr>
+        <p:spPr>
+          <a:xfrm>
+            <a:off x="6612204" y="2746410"/>
+            <a:ext cx="1368000" cy="432000"/>
+          </a:xfrm>
+          <a:prstGeom prst="rect">
+            <a:avLst/>
+          </a:prstGeom>
+          <a:solidFill>
+            <a:schemeClr val="bg1"/>
+          </a:solidFill>
+        </p:spPr>
+        <p:style>
+          <a:lnRef idx="2">
+            <a:schemeClr val="accent1">
+              <a:shade val="15000"/>
+            </a:schemeClr>
+          </a:lnRef>
+          <a:fillRef idx="1">
+            <a:schemeClr val="accent1"/>
+          </a:fillRef>
+          <a:effectRef idx="0">
+            <a:schemeClr val="accent1"/>
+          </a:effectRef>
+          <a:fontRef idx="minor">
+            <a:schemeClr val="lt1"/>
+          </a:fontRef>
+        </p:style>
+        <p:txBody>
+          <a:bodyPr rtlCol="0" anchor="ctr"/>
+          <a:lstStyle/>
+          <a:p>
             <a:pPr algn="ctr"/>
-            <a:endParaRPr kumimoji="1" lang="ja-JP" altLang="en-US"/>
+            <a:r>
+              <a:rPr lang="ja-JP" altLang="en-US" sz="1100">
+                <a:solidFill>
+                  <a:schemeClr val="tx2"/>
+                </a:solidFill>
+                <a:latin typeface="Meiryo UI" panose="020B0604030504040204" pitchFamily="50" charset="-128"/>
+                <a:ea typeface="Meiryo UI" panose="020B0604030504040204" pitchFamily="50" charset="-128"/>
+              </a:rPr>
+              <a:t>実現された</a:t>
+            </a:r>
+            <a:endParaRPr lang="en-US" altLang="ja-JP" sz="1100">
+              <a:solidFill>
+                <a:schemeClr val="tx2"/>
+              </a:solidFill>
+              <a:latin typeface="Meiryo UI" panose="020B0604030504040204" pitchFamily="50" charset="-128"/>
+              <a:ea typeface="Meiryo UI" panose="020B0604030504040204" pitchFamily="50" charset="-128"/>
+            </a:endParaRPr>
+          </a:p>
+          <a:p>
+            <a:pPr algn="ctr"/>
+            <a:r>
+              <a:rPr lang="ja-JP" altLang="en-US" sz="1100">
+                <a:solidFill>
+                  <a:schemeClr val="tx2"/>
+                </a:solidFill>
+                <a:latin typeface="Meiryo UI" panose="020B0604030504040204" pitchFamily="50" charset="-128"/>
+                <a:ea typeface="Meiryo UI" panose="020B0604030504040204" pitchFamily="50" charset="-128"/>
+              </a:rPr>
+              <a:t>利用時の品質</a:t>
+            </a:r>
+            <a:endParaRPr kumimoji="1" lang="ja-JP" altLang="en-US" sz="1100">
+              <a:solidFill>
+                <a:schemeClr val="tx2"/>
+              </a:solidFill>
+              <a:latin typeface="Meiryo UI" panose="020B0604030504040204" pitchFamily="50" charset="-128"/>
+              <a:ea typeface="Meiryo UI" panose="020B0604030504040204" pitchFamily="50" charset="-128"/>
+            </a:endParaRPr>
+          </a:p>
+        </p:txBody>
+      </p:sp>
+      <p:sp>
+        <p:nvSpPr>
+          <p:cNvPr id="9" name="正方形/長方形 8">
+            <a:extLst>
+              <a:ext uri="{FF2B5EF4-FFF2-40B4-BE49-F238E27FC236}">
+                <a16:creationId xmlns:a16="http://schemas.microsoft.com/office/drawing/2014/main" id="{0D29B380-7282-3E54-F6FC-34C44B56999E}"/>
+              </a:ext>
+            </a:extLst>
+          </p:cNvPr>
+          <p:cNvSpPr/>
+          <p:nvPr/>
+        </p:nvSpPr>
+        <p:spPr>
+          <a:xfrm>
+            <a:off x="6612204" y="3865114"/>
+            <a:ext cx="1368000" cy="432000"/>
+          </a:xfrm>
+          <a:prstGeom prst="rect">
+            <a:avLst/>
+          </a:prstGeom>
+          <a:solidFill>
+            <a:schemeClr val="bg1"/>
+          </a:solidFill>
+        </p:spPr>
+        <p:style>
+          <a:lnRef idx="2">
+            <a:schemeClr val="accent1">
+              <a:shade val="15000"/>
+            </a:schemeClr>
+          </a:lnRef>
+          <a:fillRef idx="1">
+            <a:schemeClr val="accent1"/>
+          </a:fillRef>
+          <a:effectRef idx="0">
+            <a:schemeClr val="accent1"/>
+          </a:effectRef>
+          <a:fontRef idx="minor">
+            <a:schemeClr val="lt1"/>
+          </a:fontRef>
+        </p:style>
+        <p:txBody>
+          <a:bodyPr rtlCol="0" anchor="ctr"/>
+          <a:lstStyle/>
+          <a:p>
+            <a:pPr algn="ctr"/>
+            <a:r>
+              <a:rPr lang="ja-JP" altLang="en-US" sz="1100">
+                <a:solidFill>
+                  <a:schemeClr val="tx2"/>
+                </a:solidFill>
+                <a:latin typeface="Meiryo UI" panose="020B0604030504040204" pitchFamily="50" charset="-128"/>
+                <a:ea typeface="Meiryo UI" panose="020B0604030504040204" pitchFamily="50" charset="-128"/>
+              </a:rPr>
+              <a:t>実現された</a:t>
+            </a:r>
+            <a:endParaRPr lang="en-US" altLang="ja-JP" sz="1100">
+              <a:solidFill>
+                <a:schemeClr val="tx2"/>
+              </a:solidFill>
+              <a:latin typeface="Meiryo UI" panose="020B0604030504040204" pitchFamily="50" charset="-128"/>
+              <a:ea typeface="Meiryo UI" panose="020B0604030504040204" pitchFamily="50" charset="-128"/>
+            </a:endParaRPr>
+          </a:p>
+          <a:p>
+            <a:pPr algn="ctr"/>
+            <a:r>
+              <a:rPr lang="ja-JP" altLang="en-US" sz="1100">
+                <a:solidFill>
+                  <a:schemeClr val="tx2"/>
+                </a:solidFill>
+                <a:latin typeface="Meiryo UI" panose="020B0604030504040204" pitchFamily="50" charset="-128"/>
+                <a:ea typeface="Meiryo UI" panose="020B0604030504040204" pitchFamily="50" charset="-128"/>
+              </a:rPr>
+              <a:t>外部品質</a:t>
+            </a:r>
+            <a:endParaRPr kumimoji="1" lang="ja-JP" altLang="en-US" sz="1100">
+              <a:solidFill>
+                <a:schemeClr val="tx2"/>
+              </a:solidFill>
+              <a:latin typeface="Meiryo UI" panose="020B0604030504040204" pitchFamily="50" charset="-128"/>
+              <a:ea typeface="Meiryo UI" panose="020B0604030504040204" pitchFamily="50" charset="-128"/>
+            </a:endParaRPr>
+          </a:p>
+        </p:txBody>
+      </p:sp>
+      <p:sp>
+        <p:nvSpPr>
+          <p:cNvPr id="10" name="正方形/長方形 9">
+            <a:extLst>
+              <a:ext uri="{FF2B5EF4-FFF2-40B4-BE49-F238E27FC236}">
+                <a16:creationId xmlns:a16="http://schemas.microsoft.com/office/drawing/2014/main" id="{EFF6F74D-E680-C735-B70E-1BEC844C01B2}"/>
+              </a:ext>
+            </a:extLst>
+          </p:cNvPr>
+          <p:cNvSpPr/>
+          <p:nvPr/>
+        </p:nvSpPr>
+        <p:spPr>
+          <a:xfrm>
+            <a:off x="6612204" y="4799865"/>
+            <a:ext cx="1368000" cy="432000"/>
+          </a:xfrm>
+          <a:prstGeom prst="rect">
+            <a:avLst/>
+          </a:prstGeom>
+          <a:solidFill>
+            <a:schemeClr val="bg1"/>
+          </a:solidFill>
+        </p:spPr>
+        <p:style>
+          <a:lnRef idx="2">
+            <a:schemeClr val="accent1">
+              <a:shade val="15000"/>
+            </a:schemeClr>
+          </a:lnRef>
+          <a:fillRef idx="1">
+            <a:schemeClr val="accent1"/>
+          </a:fillRef>
+          <a:effectRef idx="0">
+            <a:schemeClr val="accent1"/>
+          </a:effectRef>
+          <a:fontRef idx="minor">
+            <a:schemeClr val="lt1"/>
+          </a:fontRef>
+        </p:style>
+        <p:txBody>
+          <a:bodyPr rtlCol="0" anchor="ctr"/>
+          <a:lstStyle/>
+          <a:p>
+            <a:pPr algn="ctr"/>
+            <a:r>
+              <a:rPr lang="ja-JP" altLang="en-US" sz="1100">
+                <a:solidFill>
+                  <a:schemeClr val="tx2"/>
+                </a:solidFill>
+                <a:latin typeface="Meiryo UI" panose="020B0604030504040204" pitchFamily="50" charset="-128"/>
+                <a:ea typeface="Meiryo UI" panose="020B0604030504040204" pitchFamily="50" charset="-128"/>
+              </a:rPr>
+              <a:t>実現された</a:t>
+            </a:r>
+            <a:endParaRPr lang="en-US" altLang="ja-JP" sz="1100">
+              <a:solidFill>
+                <a:schemeClr val="tx2"/>
+              </a:solidFill>
+              <a:latin typeface="Meiryo UI" panose="020B0604030504040204" pitchFamily="50" charset="-128"/>
+              <a:ea typeface="Meiryo UI" panose="020B0604030504040204" pitchFamily="50" charset="-128"/>
+            </a:endParaRPr>
+          </a:p>
+          <a:p>
+            <a:pPr algn="ctr"/>
+            <a:r>
+              <a:rPr lang="ja-JP" altLang="en-US" sz="1100">
+                <a:solidFill>
+                  <a:schemeClr val="tx2"/>
+                </a:solidFill>
+                <a:latin typeface="Meiryo UI" panose="020B0604030504040204" pitchFamily="50" charset="-128"/>
+                <a:ea typeface="Meiryo UI" panose="020B0604030504040204" pitchFamily="50" charset="-128"/>
+              </a:rPr>
+              <a:t>内部品質</a:t>
+            </a:r>
+            <a:endParaRPr kumimoji="1" lang="ja-JP" altLang="en-US" sz="1100">
+              <a:solidFill>
+                <a:schemeClr val="tx2"/>
+              </a:solidFill>
+              <a:latin typeface="Meiryo UI" panose="020B0604030504040204" pitchFamily="50" charset="-128"/>
+              <a:ea typeface="Meiryo UI" panose="020B0604030504040204" pitchFamily="50" charset="-128"/>
+            </a:endParaRPr>
+          </a:p>
+        </p:txBody>
+      </p:sp>
+      <p:sp>
+        <p:nvSpPr>
+          <p:cNvPr id="11" name="正方形/長方形 10">
+            <a:extLst>
+              <a:ext uri="{FF2B5EF4-FFF2-40B4-BE49-F238E27FC236}">
+                <a16:creationId xmlns:a16="http://schemas.microsoft.com/office/drawing/2014/main" id="{16229462-B90D-91CC-DA23-48F63DBCA913}"/>
+              </a:ext>
+            </a:extLst>
+          </p:cNvPr>
+          <p:cNvSpPr/>
+          <p:nvPr/>
+        </p:nvSpPr>
+        <p:spPr>
+          <a:xfrm>
+            <a:off x="3688506" y="2746410"/>
+            <a:ext cx="1152000" cy="432000"/>
+          </a:xfrm>
+          <a:prstGeom prst="rect">
+            <a:avLst/>
+          </a:prstGeom>
+          <a:solidFill>
+            <a:schemeClr val="bg1"/>
+          </a:solidFill>
+        </p:spPr>
+        <p:style>
+          <a:lnRef idx="2">
+            <a:schemeClr val="accent1">
+              <a:shade val="15000"/>
+            </a:schemeClr>
+          </a:lnRef>
+          <a:fillRef idx="1">
+            <a:schemeClr val="accent1"/>
+          </a:fillRef>
+          <a:effectRef idx="0">
+            <a:schemeClr val="accent1"/>
+          </a:effectRef>
+          <a:fontRef idx="minor">
+            <a:schemeClr val="lt1"/>
+          </a:fontRef>
+        </p:style>
+        <p:txBody>
+          <a:bodyPr rtlCol="0" anchor="ctr"/>
+          <a:lstStyle/>
+          <a:p>
+            <a:pPr algn="ctr"/>
+            <a:r>
+              <a:rPr lang="ja-JP" altLang="en-US" sz="1100">
+                <a:solidFill>
+                  <a:schemeClr val="tx2"/>
+                </a:solidFill>
+                <a:latin typeface="Meiryo UI" panose="020B0604030504040204" pitchFamily="50" charset="-128"/>
+                <a:ea typeface="Meiryo UI" panose="020B0604030504040204" pitchFamily="50" charset="-128"/>
+              </a:rPr>
+              <a:t>利用時の</a:t>
+            </a:r>
+            <a:endParaRPr lang="en-US" altLang="ja-JP" sz="1100">
+              <a:solidFill>
+                <a:schemeClr val="tx2"/>
+              </a:solidFill>
+              <a:latin typeface="Meiryo UI" panose="020B0604030504040204" pitchFamily="50" charset="-128"/>
+              <a:ea typeface="Meiryo UI" panose="020B0604030504040204" pitchFamily="50" charset="-128"/>
+            </a:endParaRPr>
+          </a:p>
+          <a:p>
+            <a:pPr algn="ctr"/>
+            <a:r>
+              <a:rPr lang="ja-JP" altLang="en-US" sz="1100">
+                <a:solidFill>
+                  <a:schemeClr val="tx2"/>
+                </a:solidFill>
+                <a:latin typeface="Meiryo UI" panose="020B0604030504040204" pitchFamily="50" charset="-128"/>
+                <a:ea typeface="Meiryo UI" panose="020B0604030504040204" pitchFamily="50" charset="-128"/>
+              </a:rPr>
+              <a:t>品質特性</a:t>
+            </a:r>
+            <a:endParaRPr kumimoji="1" lang="ja-JP" altLang="en-US" sz="1100">
+              <a:solidFill>
+                <a:schemeClr val="tx2"/>
+              </a:solidFill>
+              <a:latin typeface="Meiryo UI" panose="020B0604030504040204" pitchFamily="50" charset="-128"/>
+              <a:ea typeface="Meiryo UI" panose="020B0604030504040204" pitchFamily="50" charset="-128"/>
+            </a:endParaRPr>
+          </a:p>
+        </p:txBody>
+      </p:sp>
+      <p:sp>
+        <p:nvSpPr>
+          <p:cNvPr id="12" name="正方形/長方形 11">
+            <a:extLst>
+              <a:ext uri="{FF2B5EF4-FFF2-40B4-BE49-F238E27FC236}">
+                <a16:creationId xmlns:a16="http://schemas.microsoft.com/office/drawing/2014/main" id="{A05A4FD5-24CA-FB3B-3252-D0F6D2D73202}"/>
+              </a:ext>
+            </a:extLst>
+          </p:cNvPr>
+          <p:cNvSpPr/>
+          <p:nvPr/>
+        </p:nvSpPr>
+        <p:spPr>
+          <a:xfrm>
+            <a:off x="3688506" y="3865114"/>
+            <a:ext cx="1152000" cy="432000"/>
+          </a:xfrm>
+          <a:prstGeom prst="rect">
+            <a:avLst/>
+          </a:prstGeom>
+          <a:solidFill>
+            <a:schemeClr val="bg1"/>
+          </a:solidFill>
+        </p:spPr>
+        <p:style>
+          <a:lnRef idx="2">
+            <a:schemeClr val="accent1">
+              <a:shade val="15000"/>
+            </a:schemeClr>
+          </a:lnRef>
+          <a:fillRef idx="1">
+            <a:schemeClr val="accent1"/>
+          </a:fillRef>
+          <a:effectRef idx="0">
+            <a:schemeClr val="accent1"/>
+          </a:effectRef>
+          <a:fontRef idx="minor">
+            <a:schemeClr val="lt1"/>
+          </a:fontRef>
+        </p:style>
+        <p:txBody>
+          <a:bodyPr rtlCol="0" anchor="ctr"/>
+          <a:lstStyle/>
+          <a:p>
+            <a:pPr algn="ctr"/>
+            <a:r>
+              <a:rPr lang="ja-JP" altLang="en-US" sz="1100">
+                <a:solidFill>
+                  <a:schemeClr val="tx2"/>
+                </a:solidFill>
+                <a:latin typeface="Meiryo UI" panose="020B0604030504040204" pitchFamily="50" charset="-128"/>
+                <a:ea typeface="Meiryo UI" panose="020B0604030504040204" pitchFamily="50" charset="-128"/>
+              </a:rPr>
+              <a:t>外部</a:t>
+            </a:r>
+            <a:r>
+              <a:rPr kumimoji="1" lang="ja-JP" altLang="en-US" sz="1100">
+                <a:solidFill>
+                  <a:schemeClr val="tx2"/>
+                </a:solidFill>
+                <a:latin typeface="Meiryo UI" panose="020B0604030504040204" pitchFamily="50" charset="-128"/>
+                <a:ea typeface="Meiryo UI" panose="020B0604030504040204" pitchFamily="50" charset="-128"/>
+              </a:rPr>
+              <a:t>品質特性</a:t>
+            </a:r>
+          </a:p>
+        </p:txBody>
+      </p:sp>
+      <p:sp>
+        <p:nvSpPr>
+          <p:cNvPr id="13" name="正方形/長方形 12">
+            <a:extLst>
+              <a:ext uri="{FF2B5EF4-FFF2-40B4-BE49-F238E27FC236}">
+                <a16:creationId xmlns:a16="http://schemas.microsoft.com/office/drawing/2014/main" id="{CB771636-A6C8-E6A1-6475-584A041C4AE9}"/>
+              </a:ext>
+            </a:extLst>
+          </p:cNvPr>
+          <p:cNvSpPr/>
+          <p:nvPr/>
+        </p:nvSpPr>
+        <p:spPr>
+          <a:xfrm>
+            <a:off x="3688506" y="4799865"/>
+            <a:ext cx="1152000" cy="432000"/>
+          </a:xfrm>
+          <a:prstGeom prst="rect">
+            <a:avLst/>
+          </a:prstGeom>
+          <a:solidFill>
+            <a:schemeClr val="bg1"/>
+          </a:solidFill>
+        </p:spPr>
+        <p:style>
+          <a:lnRef idx="2">
+            <a:schemeClr val="accent1">
+              <a:shade val="15000"/>
+            </a:schemeClr>
+          </a:lnRef>
+          <a:fillRef idx="1">
+            <a:schemeClr val="accent1"/>
+          </a:fillRef>
+          <a:effectRef idx="0">
+            <a:schemeClr val="accent1"/>
+          </a:effectRef>
+          <a:fontRef idx="minor">
+            <a:schemeClr val="lt1"/>
+          </a:fontRef>
+        </p:style>
+        <p:txBody>
+          <a:bodyPr rtlCol="0" anchor="ctr"/>
+          <a:lstStyle/>
+          <a:p>
+            <a:pPr algn="ctr"/>
+            <a:r>
+              <a:rPr kumimoji="1" lang="ja-JP" altLang="en-US" sz="1100">
+                <a:solidFill>
+                  <a:schemeClr val="tx2"/>
+                </a:solidFill>
+                <a:latin typeface="Meiryo UI" panose="020B0604030504040204" pitchFamily="50" charset="-128"/>
+                <a:ea typeface="Meiryo UI" panose="020B0604030504040204" pitchFamily="50" charset="-128"/>
+              </a:rPr>
+              <a:t>内部品質特性</a:t>
+            </a:r>
+          </a:p>
+        </p:txBody>
+      </p:sp>
+      <p:sp>
+        <p:nvSpPr>
+          <p:cNvPr id="20" name="矢印: 左右 19">
+            <a:extLst>
+              <a:ext uri="{FF2B5EF4-FFF2-40B4-BE49-F238E27FC236}">
+                <a16:creationId xmlns:a16="http://schemas.microsoft.com/office/drawing/2014/main" id="{825E6A4E-E317-F156-E0C2-A256C984E68F}"/>
+              </a:ext>
+            </a:extLst>
+          </p:cNvPr>
+          <p:cNvSpPr/>
+          <p:nvPr/>
+        </p:nvSpPr>
+        <p:spPr>
+          <a:xfrm>
+            <a:off x="4874980" y="2526633"/>
+            <a:ext cx="1692000" cy="576000"/>
+          </a:xfrm>
+          <a:prstGeom prst="leftRightArrow">
+            <a:avLst/>
+          </a:prstGeom>
+          <a:noFill/>
+          <a:ln>
+            <a:noFill/>
+          </a:ln>
+        </p:spPr>
+        <p:style>
+          <a:lnRef idx="2">
+            <a:schemeClr val="accent1">
+              <a:shade val="15000"/>
+            </a:schemeClr>
+          </a:lnRef>
+          <a:fillRef idx="1">
+            <a:schemeClr val="accent1"/>
+          </a:fillRef>
+          <a:effectRef idx="0">
+            <a:schemeClr val="accent1"/>
+          </a:effectRef>
+          <a:fontRef idx="minor">
+            <a:schemeClr val="lt1"/>
+          </a:fontRef>
+        </p:style>
+        <p:txBody>
+          <a:bodyPr rtlCol="0" anchor="ctr"/>
+          <a:lstStyle/>
+          <a:p>
+            <a:pPr algn="ctr"/>
+            <a:r>
+              <a:rPr kumimoji="1" lang="ja-JP" altLang="en-US" sz="1100">
+                <a:solidFill>
+                  <a:schemeClr val="tx2"/>
+                </a:solidFill>
+                <a:latin typeface="Meiryo UI" panose="020B0604030504040204" pitchFamily="50" charset="-128"/>
+                <a:ea typeface="Meiryo UI" panose="020B0604030504040204" pitchFamily="50" charset="-128"/>
+              </a:rPr>
+              <a:t>妥当性確認</a:t>
+            </a:r>
+          </a:p>
+        </p:txBody>
+      </p:sp>
+      <p:sp>
+        <p:nvSpPr>
+          <p:cNvPr id="22" name="矢印: 左右 21">
+            <a:extLst>
+              <a:ext uri="{FF2B5EF4-FFF2-40B4-BE49-F238E27FC236}">
+                <a16:creationId xmlns:a16="http://schemas.microsoft.com/office/drawing/2014/main" id="{40182733-C0A8-A251-18DE-CF8065A6D116}"/>
+              </a:ext>
+            </a:extLst>
+          </p:cNvPr>
+          <p:cNvSpPr/>
+          <p:nvPr/>
+        </p:nvSpPr>
+        <p:spPr>
+          <a:xfrm>
+            <a:off x="4874980" y="3645337"/>
+            <a:ext cx="1692000" cy="576000"/>
+          </a:xfrm>
+          <a:prstGeom prst="leftRightArrow">
+            <a:avLst/>
+          </a:prstGeom>
+          <a:noFill/>
+          <a:ln>
+            <a:noFill/>
+          </a:ln>
+        </p:spPr>
+        <p:style>
+          <a:lnRef idx="2">
+            <a:schemeClr val="accent1">
+              <a:shade val="15000"/>
+            </a:schemeClr>
+          </a:lnRef>
+          <a:fillRef idx="1">
+            <a:schemeClr val="accent1"/>
+          </a:fillRef>
+          <a:effectRef idx="0">
+            <a:schemeClr val="accent1"/>
+          </a:effectRef>
+          <a:fontRef idx="minor">
+            <a:schemeClr val="lt1"/>
+          </a:fontRef>
+        </p:style>
+        <p:txBody>
+          <a:bodyPr rtlCol="0" anchor="ctr"/>
+          <a:lstStyle/>
+          <a:p>
+            <a:pPr algn="ctr"/>
+            <a:r>
+              <a:rPr lang="ja-JP" altLang="en-US" sz="1100">
+                <a:solidFill>
+                  <a:schemeClr val="tx2"/>
+                </a:solidFill>
+                <a:latin typeface="Meiryo UI" panose="020B0604030504040204" pitchFamily="50" charset="-128"/>
+                <a:ea typeface="Meiryo UI" panose="020B0604030504040204" pitchFamily="50" charset="-128"/>
+              </a:rPr>
+              <a:t>検証・</a:t>
+            </a:r>
+            <a:r>
+              <a:rPr kumimoji="1" lang="ja-JP" altLang="en-US" sz="1100">
+                <a:solidFill>
+                  <a:schemeClr val="tx2"/>
+                </a:solidFill>
+                <a:latin typeface="Meiryo UI" panose="020B0604030504040204" pitchFamily="50" charset="-128"/>
+                <a:ea typeface="Meiryo UI" panose="020B0604030504040204" pitchFamily="50" charset="-128"/>
+              </a:rPr>
+              <a:t>妥当性確認</a:t>
+            </a:r>
+          </a:p>
+        </p:txBody>
+      </p:sp>
+      <p:sp>
+        <p:nvSpPr>
+          <p:cNvPr id="23" name="矢印: 左右 22">
+            <a:extLst>
+              <a:ext uri="{FF2B5EF4-FFF2-40B4-BE49-F238E27FC236}">
+                <a16:creationId xmlns:a16="http://schemas.microsoft.com/office/drawing/2014/main" id="{BD1A454C-0256-189B-6742-30C54507CB05}"/>
+              </a:ext>
+            </a:extLst>
+          </p:cNvPr>
+          <p:cNvSpPr/>
+          <p:nvPr/>
+        </p:nvSpPr>
+        <p:spPr>
+          <a:xfrm>
+            <a:off x="4874980" y="4627713"/>
+            <a:ext cx="1692000" cy="576000"/>
+          </a:xfrm>
+          <a:prstGeom prst="leftRightArrow">
+            <a:avLst/>
+          </a:prstGeom>
+          <a:noFill/>
+          <a:ln>
+            <a:noFill/>
+          </a:ln>
+        </p:spPr>
+        <p:style>
+          <a:lnRef idx="2">
+            <a:schemeClr val="accent1">
+              <a:shade val="15000"/>
+            </a:schemeClr>
+          </a:lnRef>
+          <a:fillRef idx="1">
+            <a:schemeClr val="accent1"/>
+          </a:fillRef>
+          <a:effectRef idx="0">
+            <a:schemeClr val="accent1"/>
+          </a:effectRef>
+          <a:fontRef idx="minor">
+            <a:schemeClr val="lt1"/>
+          </a:fontRef>
+        </p:style>
+        <p:txBody>
+          <a:bodyPr rtlCol="0" anchor="ctr"/>
+          <a:lstStyle/>
+          <a:p>
+            <a:pPr algn="ctr"/>
+            <a:r>
+              <a:rPr lang="ja-JP" altLang="en-US" sz="1100">
+                <a:solidFill>
+                  <a:schemeClr val="tx2"/>
+                </a:solidFill>
+                <a:latin typeface="Meiryo UI" panose="020B0604030504040204" pitchFamily="50" charset="-128"/>
+                <a:ea typeface="Meiryo UI" panose="020B0604030504040204" pitchFamily="50" charset="-128"/>
+              </a:rPr>
+              <a:t>検証・</a:t>
+            </a:r>
+            <a:r>
+              <a:rPr kumimoji="1" lang="ja-JP" altLang="en-US" sz="1100">
+                <a:solidFill>
+                  <a:schemeClr val="tx2"/>
+                </a:solidFill>
+                <a:latin typeface="Meiryo UI" panose="020B0604030504040204" pitchFamily="50" charset="-128"/>
+                <a:ea typeface="Meiryo UI" panose="020B0604030504040204" pitchFamily="50" charset="-128"/>
+              </a:rPr>
+              <a:t>妥当性確認</a:t>
+            </a:r>
+          </a:p>
+        </p:txBody>
+      </p:sp>
+      <p:sp>
+        <p:nvSpPr>
+          <p:cNvPr id="27" name="矢印: 下 26">
+            <a:extLst>
+              <a:ext uri="{FF2B5EF4-FFF2-40B4-BE49-F238E27FC236}">
+                <a16:creationId xmlns:a16="http://schemas.microsoft.com/office/drawing/2014/main" id="{268B2956-A58A-BD1A-251F-C098B9EC5B57}"/>
+              </a:ext>
+            </a:extLst>
+          </p:cNvPr>
+          <p:cNvSpPr/>
+          <p:nvPr/>
+        </p:nvSpPr>
+        <p:spPr>
+          <a:xfrm>
+            <a:off x="3985808" y="3342770"/>
+            <a:ext cx="612589" cy="360000"/>
+          </a:xfrm>
+          <a:prstGeom prst="downArrow">
+            <a:avLst/>
+          </a:prstGeom>
+          <a:solidFill>
+            <a:schemeClr val="bg2"/>
+          </a:solidFill>
+        </p:spPr>
+        <p:style>
+          <a:lnRef idx="2">
+            <a:schemeClr val="accent1">
+              <a:shade val="15000"/>
+            </a:schemeClr>
+          </a:lnRef>
+          <a:fillRef idx="1">
+            <a:schemeClr val="accent1"/>
+          </a:fillRef>
+          <a:effectRef idx="0">
+            <a:schemeClr val="accent1"/>
+          </a:effectRef>
+          <a:fontRef idx="minor">
+            <a:schemeClr val="lt1"/>
+          </a:fontRef>
+        </p:style>
+        <p:txBody>
+          <a:bodyPr rtlCol="0" anchor="ctr"/>
+          <a:lstStyle/>
+          <a:p>
+            <a:pPr algn="ctr"/>
+            <a:endParaRPr kumimoji="1" lang="ja-JP" altLang="en-US" sz="1100">
+              <a:solidFill>
+                <a:schemeClr val="tx2"/>
+              </a:solidFill>
+              <a:latin typeface="Meiryo UI" panose="020B0604030504040204" pitchFamily="50" charset="-128"/>
+              <a:ea typeface="Meiryo UI" panose="020B0604030504040204" pitchFamily="50" charset="-128"/>
+            </a:endParaRPr>
+          </a:p>
+        </p:txBody>
+      </p:sp>
+      <p:sp>
+        <p:nvSpPr>
+          <p:cNvPr id="28" name="矢印: 下 27">
+            <a:extLst>
+              <a:ext uri="{FF2B5EF4-FFF2-40B4-BE49-F238E27FC236}">
+                <a16:creationId xmlns:a16="http://schemas.microsoft.com/office/drawing/2014/main" id="{737013C5-18A5-2A96-4794-1E8CD39980D0}"/>
+              </a:ext>
+            </a:extLst>
+          </p:cNvPr>
+          <p:cNvSpPr/>
+          <p:nvPr/>
+        </p:nvSpPr>
+        <p:spPr>
+          <a:xfrm>
+            <a:off x="3999664" y="4370889"/>
+            <a:ext cx="612589" cy="360000"/>
+          </a:xfrm>
+          <a:prstGeom prst="downArrow">
+            <a:avLst/>
+          </a:prstGeom>
+          <a:solidFill>
+            <a:schemeClr val="bg2"/>
+          </a:solidFill>
+        </p:spPr>
+        <p:style>
+          <a:lnRef idx="2">
+            <a:schemeClr val="accent1">
+              <a:shade val="15000"/>
+            </a:schemeClr>
+          </a:lnRef>
+          <a:fillRef idx="1">
+            <a:schemeClr val="accent1"/>
+          </a:fillRef>
+          <a:effectRef idx="0">
+            <a:schemeClr val="accent1"/>
+          </a:effectRef>
+          <a:fontRef idx="minor">
+            <a:schemeClr val="lt1"/>
+          </a:fontRef>
+        </p:style>
+        <p:txBody>
+          <a:bodyPr rtlCol="0" anchor="ctr"/>
+          <a:lstStyle/>
+          <a:p>
+            <a:pPr algn="ctr"/>
+            <a:endParaRPr kumimoji="1" lang="ja-JP" altLang="en-US" sz="1100">
+              <a:solidFill>
+                <a:schemeClr val="tx2"/>
+              </a:solidFill>
+              <a:latin typeface="Meiryo UI" panose="020B0604030504040204" pitchFamily="50" charset="-128"/>
+              <a:ea typeface="Meiryo UI" panose="020B0604030504040204" pitchFamily="50" charset="-128"/>
+            </a:endParaRPr>
+          </a:p>
+        </p:txBody>
+      </p:sp>
+      <p:sp>
+        <p:nvSpPr>
+          <p:cNvPr id="32" name="矢印: 下 31">
+            <a:extLst>
+              <a:ext uri="{FF2B5EF4-FFF2-40B4-BE49-F238E27FC236}">
+                <a16:creationId xmlns:a16="http://schemas.microsoft.com/office/drawing/2014/main" id="{91DA0454-1E1D-B740-3EF5-2C47FB381C4B}"/>
+              </a:ext>
+            </a:extLst>
+          </p:cNvPr>
+          <p:cNvSpPr/>
+          <p:nvPr/>
+        </p:nvSpPr>
+        <p:spPr>
+          <a:xfrm flipV="1">
+            <a:off x="6964537" y="3338152"/>
+            <a:ext cx="612589" cy="360000"/>
+          </a:xfrm>
+          <a:prstGeom prst="downArrow">
+            <a:avLst/>
+          </a:prstGeom>
+          <a:solidFill>
+            <a:schemeClr val="bg2"/>
+          </a:solidFill>
+        </p:spPr>
+        <p:style>
+          <a:lnRef idx="2">
+            <a:schemeClr val="accent1">
+              <a:shade val="15000"/>
+            </a:schemeClr>
+          </a:lnRef>
+          <a:fillRef idx="1">
+            <a:schemeClr val="accent1"/>
+          </a:fillRef>
+          <a:effectRef idx="0">
+            <a:schemeClr val="accent1"/>
+          </a:effectRef>
+          <a:fontRef idx="minor">
+            <a:schemeClr val="lt1"/>
+          </a:fontRef>
+        </p:style>
+        <p:txBody>
+          <a:bodyPr rtlCol="0" anchor="ctr"/>
+          <a:lstStyle/>
+          <a:p>
+            <a:pPr algn="ctr"/>
+            <a:endParaRPr kumimoji="1" lang="ja-JP" altLang="en-US" sz="1100">
+              <a:solidFill>
+                <a:schemeClr val="tx2"/>
+              </a:solidFill>
+              <a:latin typeface="Meiryo UI" panose="020B0604030504040204" pitchFamily="50" charset="-128"/>
+              <a:ea typeface="Meiryo UI" panose="020B0604030504040204" pitchFamily="50" charset="-128"/>
+            </a:endParaRPr>
+          </a:p>
+        </p:txBody>
+      </p:sp>
+      <p:sp>
+        <p:nvSpPr>
+          <p:cNvPr id="33" name="矢印: 下 32">
+            <a:extLst>
+              <a:ext uri="{FF2B5EF4-FFF2-40B4-BE49-F238E27FC236}">
+                <a16:creationId xmlns:a16="http://schemas.microsoft.com/office/drawing/2014/main" id="{9CFC118F-B6D8-7072-F05B-74BCBC553966}"/>
+              </a:ext>
+            </a:extLst>
+          </p:cNvPr>
+          <p:cNvSpPr/>
+          <p:nvPr/>
+        </p:nvSpPr>
+        <p:spPr>
+          <a:xfrm flipV="1">
+            <a:off x="6978393" y="4366271"/>
+            <a:ext cx="612589" cy="360000"/>
+          </a:xfrm>
+          <a:prstGeom prst="downArrow">
+            <a:avLst/>
+          </a:prstGeom>
+          <a:solidFill>
+            <a:schemeClr val="bg2"/>
+          </a:solidFill>
+        </p:spPr>
+        <p:style>
+          <a:lnRef idx="2">
+            <a:schemeClr val="accent1">
+              <a:shade val="15000"/>
+            </a:schemeClr>
+          </a:lnRef>
+          <a:fillRef idx="1">
+            <a:schemeClr val="accent1"/>
+          </a:fillRef>
+          <a:effectRef idx="0">
+            <a:schemeClr val="accent1"/>
+          </a:effectRef>
+          <a:fontRef idx="minor">
+            <a:schemeClr val="lt1"/>
+          </a:fontRef>
+        </p:style>
+        <p:txBody>
+          <a:bodyPr rtlCol="0" anchor="ctr"/>
+          <a:lstStyle/>
+          <a:p>
+            <a:pPr algn="ctr"/>
+            <a:endParaRPr kumimoji="1" lang="ja-JP" altLang="en-US" sz="1100">
+              <a:solidFill>
+                <a:schemeClr val="tx2"/>
+              </a:solidFill>
+              <a:latin typeface="Meiryo UI" panose="020B0604030504040204" pitchFamily="50" charset="-128"/>
+              <a:ea typeface="Meiryo UI" panose="020B0604030504040204" pitchFamily="50" charset="-128"/>
+            </a:endParaRPr>
+          </a:p>
+        </p:txBody>
+      </p:sp>
+      <p:cxnSp>
+        <p:nvCxnSpPr>
+          <p:cNvPr id="37" name="直線矢印コネクタ 36">
+            <a:extLst>
+              <a:ext uri="{FF2B5EF4-FFF2-40B4-BE49-F238E27FC236}">
+                <a16:creationId xmlns:a16="http://schemas.microsoft.com/office/drawing/2014/main" id="{912F271D-D70B-5A9C-09D5-334E0F3544A3}"/>
+              </a:ext>
+            </a:extLst>
+          </p:cNvPr>
+          <p:cNvCxnSpPr>
+            <a:cxnSpLocks/>
+            <a:endCxn id="8" idx="1"/>
+          </p:cNvCxnSpPr>
+          <p:nvPr/>
+        </p:nvCxnSpPr>
+        <p:spPr>
+          <a:xfrm>
+            <a:off x="4840506" y="2956319"/>
+            <a:ext cx="1771698" cy="6091"/>
+          </a:xfrm>
+          <a:prstGeom prst="straightConnector1">
+            <a:avLst/>
+          </a:prstGeom>
+          <a:ln>
+            <a:solidFill>
+              <a:schemeClr val="tx2"/>
+            </a:solidFill>
+            <a:headEnd type="none" w="med" len="med"/>
+            <a:tailEnd type="triangle" w="med" len="med"/>
+          </a:ln>
+        </p:spPr>
+        <p:style>
+          <a:lnRef idx="2">
+            <a:schemeClr val="accent1"/>
+          </a:lnRef>
+          <a:fillRef idx="0">
+            <a:schemeClr val="accent1"/>
+          </a:fillRef>
+          <a:effectRef idx="1">
+            <a:schemeClr val="accent1"/>
+          </a:effectRef>
+          <a:fontRef idx="minor">
+            <a:schemeClr val="tx1"/>
+          </a:fontRef>
+        </p:style>
+      </p:cxnSp>
+      <p:cxnSp>
+        <p:nvCxnSpPr>
+          <p:cNvPr id="38" name="直線矢印コネクタ 37">
+            <a:extLst>
+              <a:ext uri="{FF2B5EF4-FFF2-40B4-BE49-F238E27FC236}">
+                <a16:creationId xmlns:a16="http://schemas.microsoft.com/office/drawing/2014/main" id="{4AACC852-2758-6C47-048A-66A048EFF0F1}"/>
+              </a:ext>
+            </a:extLst>
+          </p:cNvPr>
+          <p:cNvCxnSpPr>
+            <a:cxnSpLocks/>
+            <a:stCxn id="12" idx="3"/>
+            <a:endCxn id="9" idx="1"/>
+          </p:cNvCxnSpPr>
+          <p:nvPr/>
+        </p:nvCxnSpPr>
+        <p:spPr>
+          <a:xfrm>
+            <a:off x="4840506" y="4081114"/>
+            <a:ext cx="1771698" cy="0"/>
+          </a:xfrm>
+          <a:prstGeom prst="straightConnector1">
+            <a:avLst/>
+          </a:prstGeom>
+          <a:ln>
+            <a:solidFill>
+              <a:schemeClr val="tx2"/>
+            </a:solidFill>
+            <a:headEnd type="none" w="med" len="med"/>
+            <a:tailEnd type="triangle" w="med" len="med"/>
+          </a:ln>
+        </p:spPr>
+        <p:style>
+          <a:lnRef idx="2">
+            <a:schemeClr val="accent1"/>
+          </a:lnRef>
+          <a:fillRef idx="0">
+            <a:schemeClr val="accent1"/>
+          </a:fillRef>
+          <a:effectRef idx="1">
+            <a:schemeClr val="accent1"/>
+          </a:effectRef>
+          <a:fontRef idx="minor">
+            <a:schemeClr val="tx1"/>
+          </a:fontRef>
+        </p:style>
+      </p:cxnSp>
+      <p:cxnSp>
+        <p:nvCxnSpPr>
+          <p:cNvPr id="41" name="直線矢印コネクタ 40">
+            <a:extLst>
+              <a:ext uri="{FF2B5EF4-FFF2-40B4-BE49-F238E27FC236}">
+                <a16:creationId xmlns:a16="http://schemas.microsoft.com/office/drawing/2014/main" id="{35888082-FE70-9416-CCD4-B8653A1E5937}"/>
+              </a:ext>
+            </a:extLst>
+          </p:cNvPr>
+          <p:cNvCxnSpPr>
+            <a:cxnSpLocks/>
+            <a:stCxn id="13" idx="3"/>
+            <a:endCxn id="10" idx="1"/>
+          </p:cNvCxnSpPr>
+          <p:nvPr/>
+        </p:nvCxnSpPr>
+        <p:spPr>
+          <a:xfrm>
+            <a:off x="4840506" y="5015865"/>
+            <a:ext cx="1771698" cy="0"/>
+          </a:xfrm>
+          <a:prstGeom prst="straightConnector1">
+            <a:avLst/>
+          </a:prstGeom>
+          <a:ln>
+            <a:solidFill>
+              <a:schemeClr val="tx2"/>
+            </a:solidFill>
+            <a:headEnd type="none" w="med" len="med"/>
+            <a:tailEnd type="triangle" w="med" len="med"/>
+          </a:ln>
+        </p:spPr>
+        <p:style>
+          <a:lnRef idx="2">
+            <a:schemeClr val="accent1"/>
+          </a:lnRef>
+          <a:fillRef idx="0">
+            <a:schemeClr val="accent1"/>
+          </a:fillRef>
+          <a:effectRef idx="1">
+            <a:schemeClr val="accent1"/>
+          </a:effectRef>
+          <a:fontRef idx="minor">
+            <a:schemeClr val="tx1"/>
+          </a:fontRef>
+        </p:style>
+      </p:cxnSp>
+      <p:sp>
+        <p:nvSpPr>
+          <p:cNvPr id="46" name="矢印: 上カーブ 45">
+            <a:extLst>
+              <a:ext uri="{FF2B5EF4-FFF2-40B4-BE49-F238E27FC236}">
+                <a16:creationId xmlns:a16="http://schemas.microsoft.com/office/drawing/2014/main" id="{36FB3111-1C39-D0BC-5CDC-29B5172916F4}"/>
+              </a:ext>
+            </a:extLst>
+          </p:cNvPr>
+          <p:cNvSpPr/>
+          <p:nvPr/>
+        </p:nvSpPr>
+        <p:spPr>
+          <a:xfrm>
+            <a:off x="4110182" y="5270318"/>
+            <a:ext cx="3466944" cy="576000"/>
+          </a:xfrm>
+          <a:prstGeom prst="curvedUpArrow">
+            <a:avLst>
+              <a:gd name="adj1" fmla="val 59493"/>
+              <a:gd name="adj2" fmla="val 97037"/>
+              <a:gd name="adj3" fmla="val 29811"/>
+            </a:avLst>
+          </a:prstGeom>
+          <a:solidFill>
+            <a:schemeClr val="bg2"/>
+          </a:solidFill>
+        </p:spPr>
+        <p:style>
+          <a:lnRef idx="2">
+            <a:schemeClr val="accent1">
+              <a:shade val="15000"/>
+            </a:schemeClr>
+          </a:lnRef>
+          <a:fillRef idx="1">
+            <a:schemeClr val="accent1"/>
+          </a:fillRef>
+          <a:effectRef idx="0">
+            <a:schemeClr val="accent1"/>
+          </a:effectRef>
+          <a:fontRef idx="minor">
+            <a:schemeClr val="lt1"/>
+          </a:fontRef>
+        </p:style>
+        <p:txBody>
+          <a:bodyPr rtlCol="0" anchor="ctr"/>
+          <a:lstStyle/>
+          <a:p>
+            <a:pPr algn="ctr"/>
+            <a:endParaRPr kumimoji="1" lang="ja-JP" altLang="en-US">
+              <a:solidFill>
+                <a:schemeClr val="tx1"/>
+              </a:solidFill>
+            </a:endParaRPr>
+          </a:p>
+        </p:txBody>
+      </p:sp>
+      <p:sp>
+        <p:nvSpPr>
+          <p:cNvPr id="15" name="楕円 14">
+            <a:extLst>
+              <a:ext uri="{FF2B5EF4-FFF2-40B4-BE49-F238E27FC236}">
+                <a16:creationId xmlns:a16="http://schemas.microsoft.com/office/drawing/2014/main" id="{8FC11187-6B46-CFA7-B364-56BB226D5570}"/>
+              </a:ext>
+            </a:extLst>
+          </p:cNvPr>
+          <p:cNvSpPr/>
+          <p:nvPr/>
+        </p:nvSpPr>
+        <p:spPr>
+          <a:xfrm>
+            <a:off x="5019384" y="5569378"/>
+            <a:ext cx="1476000" cy="468000"/>
+          </a:xfrm>
+          <a:prstGeom prst="ellipse">
+            <a:avLst/>
+          </a:prstGeom>
+          <a:solidFill>
+            <a:schemeClr val="bg1"/>
+          </a:solidFill>
+        </p:spPr>
+        <p:style>
+          <a:lnRef idx="2">
+            <a:schemeClr val="accent1">
+              <a:shade val="15000"/>
+            </a:schemeClr>
+          </a:lnRef>
+          <a:fillRef idx="1">
+            <a:schemeClr val="accent1"/>
+          </a:fillRef>
+          <a:effectRef idx="0">
+            <a:schemeClr val="accent1"/>
+          </a:effectRef>
+          <a:fontRef idx="minor">
+            <a:schemeClr val="lt1"/>
+          </a:fontRef>
+        </p:style>
+        <p:txBody>
+          <a:bodyPr rtlCol="0" anchor="ctr"/>
+          <a:lstStyle/>
+          <a:p>
+            <a:pPr algn="ctr"/>
+            <a:r>
+              <a:rPr kumimoji="1" lang="ja-JP" altLang="en-US" sz="1100">
+                <a:solidFill>
+                  <a:schemeClr val="tx2"/>
+                </a:solidFill>
+                <a:latin typeface="Meiryo UI" panose="020B0604030504040204" pitchFamily="50" charset="-128"/>
+                <a:ea typeface="Meiryo UI" panose="020B0604030504040204" pitchFamily="50" charset="-128"/>
+              </a:rPr>
+              <a:t>開発・実現</a:t>
+            </a:r>
+          </a:p>
+        </p:txBody>
+      </p:sp>
+      <p:sp>
+        <p:nvSpPr>
+          <p:cNvPr id="47" name="矢印: 上カーブ 46">
+            <a:extLst>
+              <a:ext uri="{FF2B5EF4-FFF2-40B4-BE49-F238E27FC236}">
+                <a16:creationId xmlns:a16="http://schemas.microsoft.com/office/drawing/2014/main" id="{6015AC82-57DF-8B98-7CB9-B74CE247AC3B}"/>
+              </a:ext>
+            </a:extLst>
+          </p:cNvPr>
+          <p:cNvSpPr/>
+          <p:nvPr/>
+        </p:nvSpPr>
+        <p:spPr>
+          <a:xfrm rot="10800000">
+            <a:off x="4062365" y="2123741"/>
+            <a:ext cx="3466944" cy="576000"/>
+          </a:xfrm>
+          <a:prstGeom prst="curvedUpArrow">
+            <a:avLst>
+              <a:gd name="adj1" fmla="val 59493"/>
+              <a:gd name="adj2" fmla="val 97037"/>
+              <a:gd name="adj3" fmla="val 29811"/>
+            </a:avLst>
+          </a:prstGeom>
+          <a:solidFill>
+            <a:schemeClr val="bg2"/>
+          </a:solidFill>
+        </p:spPr>
+        <p:style>
+          <a:lnRef idx="2">
+            <a:schemeClr val="accent1">
+              <a:shade val="15000"/>
+            </a:schemeClr>
+          </a:lnRef>
+          <a:fillRef idx="1">
+            <a:schemeClr val="accent1"/>
+          </a:fillRef>
+          <a:effectRef idx="0">
+            <a:schemeClr val="accent1"/>
+          </a:effectRef>
+          <a:fontRef idx="minor">
+            <a:schemeClr val="lt1"/>
+          </a:fontRef>
+        </p:style>
+        <p:txBody>
+          <a:bodyPr rtlCol="0" anchor="ctr"/>
+          <a:lstStyle/>
+          <a:p>
+            <a:pPr algn="ctr"/>
+            <a:endParaRPr kumimoji="1" lang="ja-JP" altLang="en-US">
+              <a:solidFill>
+                <a:schemeClr val="tx1"/>
+              </a:solidFill>
+            </a:endParaRPr>
+          </a:p>
+        </p:txBody>
+      </p:sp>
+      <p:sp>
+        <p:nvSpPr>
+          <p:cNvPr id="14" name="楕円 13">
+            <a:extLst>
+              <a:ext uri="{FF2B5EF4-FFF2-40B4-BE49-F238E27FC236}">
+                <a16:creationId xmlns:a16="http://schemas.microsoft.com/office/drawing/2014/main" id="{B983B848-2CF0-C1B4-D9AC-AA5889505860}"/>
+              </a:ext>
+            </a:extLst>
+          </p:cNvPr>
+          <p:cNvSpPr/>
+          <p:nvPr/>
+        </p:nvSpPr>
+        <p:spPr>
+          <a:xfrm>
+            <a:off x="5019384" y="1919387"/>
+            <a:ext cx="1476000" cy="468000"/>
+          </a:xfrm>
+          <a:prstGeom prst="ellipse">
+            <a:avLst/>
+          </a:prstGeom>
+          <a:solidFill>
+            <a:schemeClr val="bg1"/>
+          </a:solidFill>
+        </p:spPr>
+        <p:style>
+          <a:lnRef idx="2">
+            <a:schemeClr val="accent1">
+              <a:shade val="15000"/>
+            </a:schemeClr>
+          </a:lnRef>
+          <a:fillRef idx="1">
+            <a:schemeClr val="accent1"/>
+          </a:fillRef>
+          <a:effectRef idx="0">
+            <a:schemeClr val="accent1"/>
+          </a:effectRef>
+          <a:fontRef idx="minor">
+            <a:schemeClr val="lt1"/>
+          </a:fontRef>
+        </p:style>
+        <p:txBody>
+          <a:bodyPr rtlCol="0" anchor="ctr"/>
+          <a:lstStyle/>
+          <a:p>
+            <a:pPr algn="ctr"/>
+            <a:r>
+              <a:rPr kumimoji="1" lang="ja-JP" altLang="en-US" sz="1100">
+                <a:solidFill>
+                  <a:schemeClr val="tx2"/>
+                </a:solidFill>
+                <a:latin typeface="Meiryo UI" panose="020B0604030504040204" pitchFamily="50" charset="-128"/>
+                <a:ea typeface="Meiryo UI" panose="020B0604030504040204" pitchFamily="50" charset="-128"/>
+              </a:rPr>
+              <a:t>明示的ニーズ</a:t>
+            </a:r>
+            <a:endParaRPr kumimoji="1" lang="en-US" altLang="ja-JP" sz="1100">
+              <a:solidFill>
+                <a:schemeClr val="tx2"/>
+              </a:solidFill>
+              <a:latin typeface="Meiryo UI" panose="020B0604030504040204" pitchFamily="50" charset="-128"/>
+              <a:ea typeface="Meiryo UI" panose="020B0604030504040204" pitchFamily="50" charset="-128"/>
+            </a:endParaRPr>
+          </a:p>
+          <a:p>
+            <a:pPr algn="ctr"/>
+            <a:r>
+              <a:rPr lang="ja-JP" altLang="en-US" sz="1100">
+                <a:solidFill>
+                  <a:schemeClr val="tx2"/>
+                </a:solidFill>
+                <a:latin typeface="Meiryo UI" panose="020B0604030504040204" pitchFamily="50" charset="-128"/>
+                <a:ea typeface="Meiryo UI" panose="020B0604030504040204" pitchFamily="50" charset="-128"/>
+              </a:rPr>
+              <a:t>暗黙的ニーズ</a:t>
+            </a:r>
+            <a:endParaRPr kumimoji="1" lang="ja-JP" altLang="en-US" sz="1100">
+              <a:solidFill>
+                <a:schemeClr val="tx2"/>
+              </a:solidFill>
+              <a:latin typeface="Meiryo UI" panose="020B0604030504040204" pitchFamily="50" charset="-128"/>
+              <a:ea typeface="Meiryo UI" panose="020B0604030504040204" pitchFamily="50" charset="-128"/>
+            </a:endParaRPr>
           </a:p>
         </p:txBody>
       </p:sp>

--- a/20231203_ISO 25010 の品質項目/213_JISX25000_図3.pptx
+++ b/20231203_ISO 25010 の品質項目/213_JISX25000_図3.pptx
@@ -259,7 +259,7 @@
           <a:p>
             <a:fld id="{13312C6C-FCB7-4CD7-A2AC-17A5E3D64DF4}" type="datetimeFigureOut">
               <a:rPr kumimoji="1" lang="ja-JP" altLang="en-US" smtClean="0"/>
-              <a:t>2023/12/3</a:t>
+              <a:t>2023/12/10</a:t>
             </a:fld>
             <a:endParaRPr kumimoji="1" lang="ja-JP" altLang="en-US"/>
           </a:p>
@@ -489,7 +489,7 @@
           <a:p>
             <a:fld id="{13312C6C-FCB7-4CD7-A2AC-17A5E3D64DF4}" type="datetimeFigureOut">
               <a:rPr kumimoji="1" lang="ja-JP" altLang="en-US" smtClean="0"/>
-              <a:t>2023/12/3</a:t>
+              <a:t>2023/12/10</a:t>
             </a:fld>
             <a:endParaRPr kumimoji="1" lang="ja-JP" altLang="en-US"/>
           </a:p>
@@ -729,7 +729,7 @@
           <a:p>
             <a:fld id="{13312C6C-FCB7-4CD7-A2AC-17A5E3D64DF4}" type="datetimeFigureOut">
               <a:rPr kumimoji="1" lang="ja-JP" altLang="en-US" smtClean="0"/>
-              <a:t>2023/12/3</a:t>
+              <a:t>2023/12/10</a:t>
             </a:fld>
             <a:endParaRPr kumimoji="1" lang="ja-JP" altLang="en-US"/>
           </a:p>
@@ -959,7 +959,7 @@
           <a:p>
             <a:fld id="{13312C6C-FCB7-4CD7-A2AC-17A5E3D64DF4}" type="datetimeFigureOut">
               <a:rPr kumimoji="1" lang="ja-JP" altLang="en-US" smtClean="0"/>
-              <a:t>2023/12/3</a:t>
+              <a:t>2023/12/10</a:t>
             </a:fld>
             <a:endParaRPr kumimoji="1" lang="ja-JP" altLang="en-US"/>
           </a:p>
@@ -1234,7 +1234,7 @@
           <a:p>
             <a:fld id="{13312C6C-FCB7-4CD7-A2AC-17A5E3D64DF4}" type="datetimeFigureOut">
               <a:rPr kumimoji="1" lang="ja-JP" altLang="en-US" smtClean="0"/>
-              <a:t>2023/12/3</a:t>
+              <a:t>2023/12/10</a:t>
             </a:fld>
             <a:endParaRPr kumimoji="1" lang="ja-JP" altLang="en-US"/>
           </a:p>
@@ -1563,7 +1563,7 @@
           <a:p>
             <a:fld id="{13312C6C-FCB7-4CD7-A2AC-17A5E3D64DF4}" type="datetimeFigureOut">
               <a:rPr kumimoji="1" lang="ja-JP" altLang="en-US" smtClean="0"/>
-              <a:t>2023/12/3</a:t>
+              <a:t>2023/12/10</a:t>
             </a:fld>
             <a:endParaRPr kumimoji="1" lang="ja-JP" altLang="en-US"/>
           </a:p>
@@ -2039,7 +2039,7 @@
           <a:p>
             <a:fld id="{13312C6C-FCB7-4CD7-A2AC-17A5E3D64DF4}" type="datetimeFigureOut">
               <a:rPr kumimoji="1" lang="ja-JP" altLang="en-US" smtClean="0"/>
-              <a:t>2023/12/3</a:t>
+              <a:t>2023/12/10</a:t>
             </a:fld>
             <a:endParaRPr kumimoji="1" lang="ja-JP" altLang="en-US"/>
           </a:p>
@@ -2180,7 +2180,7 @@
           <a:p>
             <a:fld id="{13312C6C-FCB7-4CD7-A2AC-17A5E3D64DF4}" type="datetimeFigureOut">
               <a:rPr kumimoji="1" lang="ja-JP" altLang="en-US" smtClean="0"/>
-              <a:t>2023/12/3</a:t>
+              <a:t>2023/12/10</a:t>
             </a:fld>
             <a:endParaRPr kumimoji="1" lang="ja-JP" altLang="en-US"/>
           </a:p>
@@ -2293,7 +2293,7 @@
           <a:p>
             <a:fld id="{13312C6C-FCB7-4CD7-A2AC-17A5E3D64DF4}" type="datetimeFigureOut">
               <a:rPr kumimoji="1" lang="ja-JP" altLang="en-US" smtClean="0"/>
-              <a:t>2023/12/3</a:t>
+              <a:t>2023/12/10</a:t>
             </a:fld>
             <a:endParaRPr kumimoji="1" lang="ja-JP" altLang="en-US"/>
           </a:p>
@@ -2636,7 +2636,7 @@
           <a:p>
             <a:fld id="{13312C6C-FCB7-4CD7-A2AC-17A5E3D64DF4}" type="datetimeFigureOut">
               <a:rPr kumimoji="1" lang="ja-JP" altLang="en-US" smtClean="0"/>
-              <a:t>2023/12/3</a:t>
+              <a:t>2023/12/10</a:t>
             </a:fld>
             <a:endParaRPr kumimoji="1" lang="ja-JP" altLang="en-US"/>
           </a:p>
@@ -2924,7 +2924,7 @@
           <a:p>
             <a:fld id="{13312C6C-FCB7-4CD7-A2AC-17A5E3D64DF4}" type="datetimeFigureOut">
               <a:rPr kumimoji="1" lang="ja-JP" altLang="en-US" smtClean="0"/>
-              <a:t>2023/12/3</a:t>
+              <a:t>2023/12/10</a:t>
             </a:fld>
             <a:endParaRPr kumimoji="1" lang="ja-JP" altLang="en-US"/>
           </a:p>
@@ -3197,7 +3197,7 @@
           <a:p>
             <a:fld id="{13312C6C-FCB7-4CD7-A2AC-17A5E3D64DF4}" type="datetimeFigureOut">
               <a:rPr kumimoji="1" lang="ja-JP" altLang="en-US" smtClean="0"/>
-              <a:t>2023/12/3</a:t>
+              <a:t>2023/12/10</a:t>
             </a:fld>
             <a:endParaRPr kumimoji="1" lang="ja-JP" altLang="en-US"/>
           </a:p>
@@ -3928,7 +3928,7 @@
                 <a:latin typeface="Meiryo UI" panose="020B0604030504040204" pitchFamily="50" charset="-128"/>
                 <a:ea typeface="Meiryo UI" panose="020B0604030504040204" pitchFamily="50" charset="-128"/>
               </a:rPr>
-              <a:t>製品の品質モデル</a:t>
+              <a:t>製品品質モデル</a:t>
             </a:r>
           </a:p>
         </p:txBody>
@@ -4079,66 +4079,6 @@
           </a:p>
         </p:txBody>
       </p:sp>
-      <p:pic>
-        <p:nvPicPr>
-          <p:cNvPr id="4" name="図 3">
-            <a:extLst>
-              <a:ext uri="{FF2B5EF4-FFF2-40B4-BE49-F238E27FC236}">
-                <a16:creationId xmlns:a16="http://schemas.microsoft.com/office/drawing/2014/main" id="{5B67137C-3AF6-4F53-467B-5B0007B83DAE}"/>
-              </a:ext>
-            </a:extLst>
-          </p:cNvPr>
-          <p:cNvPicPr>
-            <a:picLocks noChangeAspect="1"/>
-          </p:cNvPicPr>
-          <p:nvPr/>
-        </p:nvPicPr>
-        <p:blipFill>
-          <a:blip r:embed="rId2"/>
-          <a:stretch>
-            <a:fillRect/>
-          </a:stretch>
-        </p:blipFill>
-        <p:spPr>
-          <a:xfrm>
-            <a:off x="8681309" y="2535922"/>
-            <a:ext cx="7422164" cy="4322078"/>
-          </a:xfrm>
-          <a:prstGeom prst="rect">
-            <a:avLst/>
-          </a:prstGeom>
-        </p:spPr>
-      </p:pic>
-      <p:pic>
-        <p:nvPicPr>
-          <p:cNvPr id="5" name="図 4">
-            <a:extLst>
-              <a:ext uri="{FF2B5EF4-FFF2-40B4-BE49-F238E27FC236}">
-                <a16:creationId xmlns:a16="http://schemas.microsoft.com/office/drawing/2014/main" id="{D72D2EA8-438A-8019-6535-D19F49080598}"/>
-              </a:ext>
-            </a:extLst>
-          </p:cNvPr>
-          <p:cNvPicPr>
-            <a:picLocks noChangeAspect="1"/>
-          </p:cNvPicPr>
-          <p:nvPr/>
-        </p:nvPicPr>
-        <p:blipFill>
-          <a:blip r:embed="rId3"/>
-          <a:stretch>
-            <a:fillRect/>
-          </a:stretch>
-        </p:blipFill>
-        <p:spPr>
-          <a:xfrm>
-            <a:off x="9255981" y="-987581"/>
-            <a:ext cx="4563112" cy="3943900"/>
-          </a:xfrm>
-          <a:prstGeom prst="rect">
-            <a:avLst/>
-          </a:prstGeom>
-        </p:spPr>
-      </p:pic>
       <p:sp>
         <p:nvSpPr>
           <p:cNvPr id="8" name="正方形/長方形 7">
@@ -5413,6 +5353,126 @@
               <a:solidFill>
                 <a:schemeClr val="tx2"/>
               </a:solidFill>
+              <a:latin typeface="Meiryo UI" panose="020B0604030504040204" pitchFamily="50" charset="-128"/>
+              <a:ea typeface="Meiryo UI" panose="020B0604030504040204" pitchFamily="50" charset="-128"/>
+            </a:endParaRPr>
+          </a:p>
+        </p:txBody>
+      </p:sp>
+      <p:sp>
+        <p:nvSpPr>
+          <p:cNvPr id="2" name="テキスト ボックス 1">
+            <a:extLst>
+              <a:ext uri="{FF2B5EF4-FFF2-40B4-BE49-F238E27FC236}">
+                <a16:creationId xmlns:a16="http://schemas.microsoft.com/office/drawing/2014/main" id="{A0D9B9BE-BCBC-1C67-77F3-AB16C5784CE3}"/>
+              </a:ext>
+            </a:extLst>
+          </p:cNvPr>
+          <p:cNvSpPr txBox="1"/>
+          <p:nvPr/>
+        </p:nvSpPr>
+        <p:spPr>
+          <a:xfrm>
+            <a:off x="2134182" y="6175291"/>
+            <a:ext cx="6264857" cy="246221"/>
+          </a:xfrm>
+          <a:prstGeom prst="rect">
+            <a:avLst/>
+          </a:prstGeom>
+          <a:noFill/>
+        </p:spPr>
+        <p:txBody>
+          <a:bodyPr wrap="none" rtlCol="0">
+            <a:spAutoFit/>
+          </a:bodyPr>
+          <a:lstStyle/>
+          <a:p>
+            <a:pPr algn="r"/>
+            <a:r>
+              <a:rPr kumimoji="1" lang="ja-JP" altLang="en-US" sz="1000">
+                <a:latin typeface="Meiryo UI" panose="020B0604030504040204" pitchFamily="50" charset="-128"/>
+                <a:ea typeface="Meiryo UI" panose="020B0604030504040204" pitchFamily="50" charset="-128"/>
+              </a:rPr>
+              <a:t>「</a:t>
+            </a:r>
+            <a:r>
+              <a:rPr kumimoji="1" lang="en-US" altLang="ja-JP" sz="1000">
+                <a:latin typeface="Meiryo UI" panose="020B0604030504040204" pitchFamily="50" charset="-128"/>
+                <a:ea typeface="Meiryo UI" panose="020B0604030504040204" pitchFamily="50" charset="-128"/>
+              </a:rPr>
+              <a:t>JIS X 25000:2017 (ISO/IEC 25000</a:t>
+            </a:r>
+            <a:r>
+              <a:rPr kumimoji="1" lang="ja-JP" altLang="en-US" sz="1000">
+                <a:latin typeface="Meiryo UI" panose="020B0604030504040204" pitchFamily="50" charset="-128"/>
+                <a:ea typeface="Meiryo UI" panose="020B0604030504040204" pitchFamily="50" charset="-128"/>
+              </a:rPr>
+              <a:t>：</a:t>
+            </a:r>
+            <a:r>
+              <a:rPr kumimoji="1" lang="en-US" altLang="ja-JP" sz="1000">
+                <a:latin typeface="Meiryo UI" panose="020B0604030504040204" pitchFamily="50" charset="-128"/>
+                <a:ea typeface="Meiryo UI" panose="020B0604030504040204" pitchFamily="50" charset="-128"/>
+              </a:rPr>
+              <a:t>2014)</a:t>
+            </a:r>
+            <a:r>
+              <a:rPr kumimoji="1" lang="ja-JP" altLang="en-US" sz="1000">
+                <a:latin typeface="Meiryo UI" panose="020B0604030504040204" pitchFamily="50" charset="-128"/>
+                <a:ea typeface="Meiryo UI" panose="020B0604030504040204" pitchFamily="50" charset="-128"/>
+              </a:rPr>
+              <a:t>　</a:t>
+            </a:r>
+            <a:r>
+              <a:rPr kumimoji="1" lang="en-US" altLang="ja-JP" sz="1000">
+                <a:latin typeface="Meiryo UI" panose="020B0604030504040204" pitchFamily="50" charset="-128"/>
+                <a:ea typeface="Meiryo UI" panose="020B0604030504040204" pitchFamily="50" charset="-128"/>
+              </a:rPr>
+              <a:t>5.3</a:t>
+            </a:r>
+            <a:r>
+              <a:rPr lang="en-US" altLang="ja-JP" sz="1000">
+                <a:latin typeface="Meiryo UI" panose="020B0604030504040204" pitchFamily="50" charset="-128"/>
+                <a:ea typeface="Meiryo UI" panose="020B0604030504040204" pitchFamily="50" charset="-128"/>
+              </a:rPr>
+              <a:t>.3</a:t>
+            </a:r>
+            <a:r>
+              <a:rPr lang="ja-JP" altLang="en-US" sz="1000">
+                <a:latin typeface="Meiryo UI" panose="020B0604030504040204" pitchFamily="50" charset="-128"/>
+                <a:ea typeface="Meiryo UI" panose="020B0604030504040204" pitchFamily="50" charset="-128"/>
+              </a:rPr>
+              <a:t> </a:t>
+            </a:r>
+            <a:r>
+              <a:rPr lang="ja-JP" altLang="en-US" sz="1000" b="0" i="0">
+                <a:solidFill>
+                  <a:srgbClr val="000000"/>
+                </a:solidFill>
+                <a:effectLst/>
+                <a:latin typeface="Meiryo" panose="020B0604030504040204" pitchFamily="50" charset="-128"/>
+                <a:ea typeface="Meiryo" panose="020B0604030504040204" pitchFamily="50" charset="-128"/>
+              </a:rPr>
+              <a:t>製品の品質ライフサイクルモデル</a:t>
+            </a:r>
+            <a:r>
+              <a:rPr lang="ja-JP" altLang="en-US" sz="1000">
+                <a:solidFill>
+                  <a:srgbClr val="000000"/>
+                </a:solidFill>
+                <a:latin typeface="Meiryo" panose="020B0604030504040204" pitchFamily="50" charset="-128"/>
+                <a:ea typeface="Meiryo" panose="020B0604030504040204" pitchFamily="50" charset="-128"/>
+              </a:rPr>
+              <a:t>」より一部修正</a:t>
+            </a:r>
+            <a:r>
+              <a:rPr lang="ja-JP" altLang="en-US" sz="1000">
+                <a:latin typeface="Meiryo UI" panose="020B0604030504040204" pitchFamily="50" charset="-128"/>
+                <a:ea typeface="Meiryo UI" panose="020B0604030504040204" pitchFamily="50" charset="-128"/>
+              </a:rPr>
+              <a:t> </a:t>
+            </a:r>
+            <a:endParaRPr kumimoji="1" lang="ja-JP" altLang="en-US" sz="1000">
               <a:latin typeface="Meiryo UI" panose="020B0604030504040204" pitchFamily="50" charset="-128"/>
               <a:ea typeface="Meiryo UI" panose="020B0604030504040204" pitchFamily="50" charset="-128"/>
             </a:endParaRPr>
